--- a/进程关系.pptx
+++ b/进程关系.pptx
@@ -5,10 +5,10 @@
     <p:sldMasterId id="2147483648" r:id="rId1"/>
   </p:sldMasterIdLst>
   <p:notesMasterIdLst>
-    <p:notesMasterId r:id="rId11"/>
+    <p:notesMasterId r:id="rId15"/>
   </p:notesMasterIdLst>
   <p:handoutMasterIdLst>
-    <p:handoutMasterId r:id="rId12"/>
+    <p:handoutMasterId r:id="rId16"/>
   </p:handoutMasterIdLst>
   <p:sldIdLst>
     <p:sldId id="256" r:id="rId3"/>
@@ -19,6 +19,10 @@
     <p:sldId id="261" r:id="rId8"/>
     <p:sldId id="262" r:id="rId9"/>
     <p:sldId id="263" r:id="rId10"/>
+    <p:sldId id="264" r:id="rId11"/>
+    <p:sldId id="265" r:id="rId12"/>
+    <p:sldId id="266" r:id="rId13"/>
+    <p:sldId id="267" r:id="rId14"/>
   </p:sldIdLst>
   <p:sldSz cx="12192000" cy="6858000"/>
   <p:notesSz cx="7103745" cy="10234295"/>
@@ -3645,6 +3649,586 @@
 </p:sld>
 </file>
 
+<file path=ppt/slides/slide10.xml><?xml version="1.0" encoding="utf-8"?>
+<p:sld xmlns:a="http://schemas.openxmlformats.org/drawingml/2006/main" xmlns:r="http://schemas.openxmlformats.org/officeDocument/2006/relationships" xmlns:p="http://schemas.openxmlformats.org/presentationml/2006/main">
+  <p:cSld>
+    <p:spTree>
+      <p:nvGrpSpPr>
+        <p:cNvPr id="1" name=""/>
+        <p:cNvGrpSpPr/>
+        <p:nvPr/>
+      </p:nvGrpSpPr>
+      <p:grpSpPr/>
+      <p:sp>
+        <p:nvSpPr>
+          <p:cNvPr id="2" name="Text Box 1"/>
+          <p:cNvSpPr txBox="true"/>
+          <p:nvPr/>
+        </p:nvSpPr>
+        <p:spPr>
+          <a:xfrm>
+            <a:off x="18415" y="34290"/>
+            <a:ext cx="4234815" cy="368300"/>
+          </a:xfrm>
+          <a:prstGeom prst="rect">
+            <a:avLst/>
+          </a:prstGeom>
+          <a:noFill/>
+        </p:spPr>
+        <p:txBody>
+          <a:bodyPr wrap="square" rtlCol="0">
+            <a:spAutoFit/>
+          </a:bodyPr>
+          <a:p>
+            <a:r>
+              <a:rPr lang="en-US" b="1">
+                <a:effectLst>
+                  <a:outerShdw blurRad="38100" dist="38100" dir="2700000" algn="tl">
+                    <a:srgbClr val="000000">
+                      <a:alpha val="43137"/>
+                    </a:srgbClr>
+                  </a:outerShdw>
+                </a:effectLst>
+              </a:rPr>
+              <a:t>shell</a:t>
+            </a:r>
+            <a:r>
+              <a:rPr lang="zh-CN" altLang="en-US" b="1">
+                <a:effectLst>
+                  <a:outerShdw blurRad="38100" dist="38100" dir="2700000" algn="tl">
+                    <a:srgbClr val="000000">
+                      <a:alpha val="43137"/>
+                    </a:srgbClr>
+                  </a:outerShdw>
+                </a:effectLst>
+              </a:rPr>
+              <a:t>执行程序</a:t>
+            </a:r>
+            <a:endParaRPr lang="zh-CN" altLang="en-US" b="1">
+              <a:effectLst>
+                <a:outerShdw blurRad="38100" dist="38100" dir="2700000" algn="tl">
+                  <a:srgbClr val="000000">
+                    <a:alpha val="43137"/>
+                  </a:srgbClr>
+                </a:outerShdw>
+              </a:effectLst>
+            </a:endParaRPr>
+          </a:p>
+        </p:txBody>
+      </p:sp>
+      <p:pic>
+        <p:nvPicPr>
+          <p:cNvPr id="5" name="Picture 4" descr="shell"/>
+          <p:cNvPicPr>
+            <a:picLocks noChangeAspect="true"/>
+          </p:cNvPicPr>
+          <p:nvPr/>
+        </p:nvPicPr>
+        <p:blipFill>
+          <a:blip r:embed="rId1"/>
+          <a:stretch>
+            <a:fillRect/>
+          </a:stretch>
+        </p:blipFill>
+        <p:spPr>
+          <a:xfrm>
+            <a:off x="1650365" y="1259840"/>
+            <a:ext cx="8279765" cy="4045585"/>
+          </a:xfrm>
+          <a:prstGeom prst="rect">
+            <a:avLst/>
+          </a:prstGeom>
+        </p:spPr>
+      </p:pic>
+    </p:spTree>
+  </p:cSld>
+  <p:clrMapOvr>
+    <a:masterClrMapping/>
+  </p:clrMapOvr>
+</p:sld>
+</file>
+
+<file path=ppt/slides/slide11.xml><?xml version="1.0" encoding="utf-8"?>
+<p:sld xmlns:a="http://schemas.openxmlformats.org/drawingml/2006/main" xmlns:r="http://schemas.openxmlformats.org/officeDocument/2006/relationships" xmlns:p="http://schemas.openxmlformats.org/presentationml/2006/main">
+  <p:cSld>
+    <p:spTree>
+      <p:nvGrpSpPr>
+        <p:cNvPr id="1" name=""/>
+        <p:cNvGrpSpPr/>
+        <p:nvPr/>
+      </p:nvGrpSpPr>
+      <p:grpSpPr/>
+      <p:sp>
+        <p:nvSpPr>
+          <p:cNvPr id="2" name="Text Box 1"/>
+          <p:cNvSpPr txBox="true"/>
+          <p:nvPr/>
+        </p:nvSpPr>
+        <p:spPr>
+          <a:xfrm>
+            <a:off x="18415" y="34290"/>
+            <a:ext cx="4234815" cy="368300"/>
+          </a:xfrm>
+          <a:prstGeom prst="rect">
+            <a:avLst/>
+          </a:prstGeom>
+          <a:noFill/>
+        </p:spPr>
+        <p:txBody>
+          <a:bodyPr wrap="square" rtlCol="0">
+            <a:spAutoFit/>
+          </a:bodyPr>
+          <a:p>
+            <a:r>
+              <a:rPr lang="en-US" b="1">
+                <a:effectLst>
+                  <a:outerShdw blurRad="38100" dist="38100" dir="2700000" algn="tl">
+                    <a:srgbClr val="000000">
+                      <a:alpha val="43137"/>
+                    </a:srgbClr>
+                  </a:outerShdw>
+                </a:effectLst>
+              </a:rPr>
+              <a:t>shell</a:t>
+            </a:r>
+            <a:r>
+              <a:rPr lang="zh-CN" altLang="en-US" b="1">
+                <a:effectLst>
+                  <a:outerShdw blurRad="38100" dist="38100" dir="2700000" algn="tl">
+                    <a:srgbClr val="000000">
+                      <a:alpha val="43137"/>
+                    </a:srgbClr>
+                  </a:outerShdw>
+                </a:effectLst>
+              </a:rPr>
+              <a:t>执行程序</a:t>
+            </a:r>
+            <a:endParaRPr lang="zh-CN" altLang="en-US" b="1">
+              <a:effectLst>
+                <a:outerShdw blurRad="38100" dist="38100" dir="2700000" algn="tl">
+                  <a:srgbClr val="000000">
+                    <a:alpha val="43137"/>
+                  </a:srgbClr>
+                </a:outerShdw>
+              </a:effectLst>
+            </a:endParaRPr>
+          </a:p>
+        </p:txBody>
+      </p:sp>
+      <p:pic>
+        <p:nvPicPr>
+          <p:cNvPr id="4" name="Picture 3"/>
+          <p:cNvPicPr>
+            <a:picLocks noChangeAspect="true"/>
+          </p:cNvPicPr>
+          <p:nvPr/>
+        </p:nvPicPr>
+        <p:blipFill>
+          <a:blip r:embed="rId1"/>
+          <a:stretch>
+            <a:fillRect/>
+          </a:stretch>
+        </p:blipFill>
+        <p:spPr>
+          <a:xfrm>
+            <a:off x="909955" y="863600"/>
+            <a:ext cx="6886575" cy="4543425"/>
+          </a:xfrm>
+          <a:prstGeom prst="rect">
+            <a:avLst/>
+          </a:prstGeom>
+        </p:spPr>
+      </p:pic>
+      <p:sp>
+        <p:nvSpPr>
+          <p:cNvPr id="6" name="Text Box 5"/>
+          <p:cNvSpPr txBox="true"/>
+          <p:nvPr/>
+        </p:nvSpPr>
+        <p:spPr>
+          <a:xfrm>
+            <a:off x="7796530" y="863600"/>
+            <a:ext cx="3742055" cy="1168400"/>
+          </a:xfrm>
+          <a:prstGeom prst="rect">
+            <a:avLst/>
+          </a:prstGeom>
+          <a:noFill/>
+        </p:spPr>
+        <p:txBody>
+          <a:bodyPr wrap="square" rtlCol="0">
+            <a:spAutoFit/>
+          </a:bodyPr>
+          <a:p>
+            <a:r>
+              <a:rPr lang="" altLang="zh-CN" sz="1400" b="1" u="sng">
+                <a:solidFill>
+                  <a:srgbClr val="00B050"/>
+                </a:solidFill>
+                <a:latin typeface="Courier New" panose="02070309020205020404" charset="0"/>
+                <a:cs typeface="Courier New" panose="02070309020205020404" charset="0"/>
+              </a:rPr>
+              <a:t>tpgid:</a:t>
+            </a:r>
+            <a:r>
+              <a:rPr lang="zh-CN" altLang="" sz="1400" b="1" u="sng">
+                <a:solidFill>
+                  <a:srgbClr val="00B050"/>
+                </a:solidFill>
+                <a:latin typeface="Courier New" panose="02070309020205020404" charset="0"/>
+                <a:cs typeface="Courier New" panose="02070309020205020404" charset="0"/>
+              </a:rPr>
+              <a:t>前台进程组</a:t>
+            </a:r>
+            <a:r>
+              <a:rPr lang="" altLang="zh-CN" sz="1400" b="1" u="sng">
+                <a:solidFill>
+                  <a:srgbClr val="00B050"/>
+                </a:solidFill>
+                <a:latin typeface="Courier New" panose="02070309020205020404" charset="0"/>
+                <a:cs typeface="Courier New" panose="02070309020205020404" charset="0"/>
+              </a:rPr>
+              <a:t>ID</a:t>
+            </a:r>
+            <a:endParaRPr lang="en-US" altLang="zh-CN" sz="1400" b="1" u="sng">
+              <a:solidFill>
+                <a:srgbClr val="00B050"/>
+              </a:solidFill>
+              <a:latin typeface="Courier New" panose="02070309020205020404" charset="0"/>
+              <a:cs typeface="Courier New" panose="02070309020205020404" charset="0"/>
+            </a:endParaRPr>
+          </a:p>
+          <a:p>
+            <a:endParaRPr lang="en-US" altLang="zh-CN" sz="1400" b="1" u="sng">
+              <a:solidFill>
+                <a:srgbClr val="00B050"/>
+              </a:solidFill>
+              <a:latin typeface="Courier New" panose="02070309020205020404" charset="0"/>
+              <a:cs typeface="Courier New" panose="02070309020205020404" charset="0"/>
+            </a:endParaRPr>
+          </a:p>
+          <a:p>
+            <a:endParaRPr lang="en-US" altLang="zh-CN" sz="1400" b="1" u="sng">
+              <a:solidFill>
+                <a:srgbClr val="00B050"/>
+              </a:solidFill>
+              <a:latin typeface="Courier New" panose="02070309020205020404" charset="0"/>
+              <a:cs typeface="Courier New" panose="02070309020205020404" charset="0"/>
+            </a:endParaRPr>
+          </a:p>
+          <a:p>
+            <a:endParaRPr lang="en-US" altLang="zh-CN" sz="1400" b="1" u="sng">
+              <a:solidFill>
+                <a:srgbClr val="00B050"/>
+              </a:solidFill>
+              <a:latin typeface="Courier New" panose="02070309020205020404" charset="0"/>
+              <a:cs typeface="Courier New" panose="02070309020205020404" charset="0"/>
+            </a:endParaRPr>
+          </a:p>
+          <a:p>
+            <a:endParaRPr lang="en-US" altLang="zh-CN" sz="1400" b="1" u="sng">
+              <a:solidFill>
+                <a:srgbClr val="00B050"/>
+              </a:solidFill>
+              <a:latin typeface="Courier New" panose="02070309020205020404" charset="0"/>
+              <a:cs typeface="Courier New" panose="02070309020205020404" charset="0"/>
+            </a:endParaRPr>
+          </a:p>
+        </p:txBody>
+      </p:sp>
+    </p:spTree>
+  </p:cSld>
+  <p:clrMapOvr>
+    <a:masterClrMapping/>
+  </p:clrMapOvr>
+</p:sld>
+</file>
+
+<file path=ppt/slides/slide12.xml><?xml version="1.0" encoding="utf-8"?>
+<p:sld xmlns:a="http://schemas.openxmlformats.org/drawingml/2006/main" xmlns:r="http://schemas.openxmlformats.org/officeDocument/2006/relationships" xmlns:p="http://schemas.openxmlformats.org/presentationml/2006/main">
+  <p:cSld>
+    <p:spTree>
+      <p:nvGrpSpPr>
+        <p:cNvPr id="1" name=""/>
+        <p:cNvGrpSpPr/>
+        <p:nvPr/>
+      </p:nvGrpSpPr>
+      <p:grpSpPr/>
+      <p:sp>
+        <p:nvSpPr>
+          <p:cNvPr id="2" name="Text Box 1"/>
+          <p:cNvSpPr txBox="true"/>
+          <p:nvPr/>
+        </p:nvSpPr>
+        <p:spPr>
+          <a:xfrm>
+            <a:off x="18415" y="34290"/>
+            <a:ext cx="4234815" cy="368300"/>
+          </a:xfrm>
+          <a:prstGeom prst="rect">
+            <a:avLst/>
+          </a:prstGeom>
+          <a:noFill/>
+        </p:spPr>
+        <p:txBody>
+          <a:bodyPr wrap="square" rtlCol="0">
+            <a:spAutoFit/>
+          </a:bodyPr>
+          <a:p>
+            <a:r>
+              <a:rPr lang="zh-CN" altLang="" b="1">
+                <a:effectLst>
+                  <a:outerShdw blurRad="38100" dist="38100" dir="2700000" algn="tl">
+                    <a:srgbClr val="000000">
+                      <a:alpha val="43137"/>
+                    </a:srgbClr>
+                  </a:outerShdw>
+                </a:effectLst>
+              </a:rPr>
+              <a:t>孤儿进程组</a:t>
+            </a:r>
+            <a:endParaRPr lang="zh-CN" altLang="" b="1">
+              <a:effectLst>
+                <a:outerShdw blurRad="38100" dist="38100" dir="2700000" algn="tl">
+                  <a:srgbClr val="000000">
+                    <a:alpha val="43137"/>
+                  </a:srgbClr>
+                </a:outerShdw>
+              </a:effectLst>
+            </a:endParaRPr>
+          </a:p>
+        </p:txBody>
+      </p:sp>
+      <p:sp>
+        <p:nvSpPr>
+          <p:cNvPr id="3" name="Text Box 2"/>
+          <p:cNvSpPr txBox="true"/>
+          <p:nvPr/>
+        </p:nvSpPr>
+        <p:spPr>
+          <a:xfrm>
+            <a:off x="156845" y="922020"/>
+            <a:ext cx="10687685" cy="3753485"/>
+          </a:xfrm>
+          <a:prstGeom prst="rect">
+            <a:avLst/>
+          </a:prstGeom>
+          <a:noFill/>
+        </p:spPr>
+        <p:txBody>
+          <a:bodyPr wrap="square" rtlCol="0">
+            <a:spAutoFit/>
+          </a:bodyPr>
+          <a:p>
+            <a:r>
+              <a:rPr lang="zh-CN" altLang="en-US" sz="1400" u="sng">
+                <a:latin typeface="Courier New" panose="02070309020205020404" charset="0"/>
+                <a:cs typeface="Courier New" panose="02070309020205020404" charset="0"/>
+              </a:rPr>
+              <a:t>什么是孤儿进程组？</a:t>
+            </a:r>
+            <a:endParaRPr lang="zh-CN" altLang="en-US" sz="1400" u="sng">
+              <a:latin typeface="Courier New" panose="02070309020205020404" charset="0"/>
+              <a:cs typeface="Courier New" panose="02070309020205020404" charset="0"/>
+            </a:endParaRPr>
+          </a:p>
+          <a:p>
+            <a:r>
+              <a:rPr lang="en-US" altLang="zh-CN" sz="1400" u="sng">
+                <a:latin typeface="Courier New" panose="02070309020205020404" charset="0"/>
+                <a:cs typeface="Courier New" panose="02070309020205020404" charset="0"/>
+              </a:rPr>
+              <a:t>	</a:t>
+            </a:r>
+            <a:r>
+              <a:rPr lang="zh-CN" altLang="en-US" sz="1400" u="sng">
+                <a:latin typeface="Courier New" panose="02070309020205020404" charset="0"/>
+                <a:cs typeface="Courier New" panose="02070309020205020404" charset="0"/>
+              </a:rPr>
+              <a:t>该组中每个成员的父进程要么是该组的一个成员，要么不是该组所属会话的成员。</a:t>
+            </a:r>
+            <a:endParaRPr lang="zh-CN" altLang="en-US" sz="1400" u="sng">
+              <a:latin typeface="Courier New" panose="02070309020205020404" charset="0"/>
+              <a:cs typeface="Courier New" panose="02070309020205020404" charset="0"/>
+            </a:endParaRPr>
+          </a:p>
+          <a:p>
+            <a:endParaRPr lang="zh-CN" altLang="en-US" sz="1400" u="sng">
+              <a:latin typeface="Courier New" panose="02070309020205020404" charset="0"/>
+              <a:cs typeface="Courier New" panose="02070309020205020404" charset="0"/>
+            </a:endParaRPr>
+          </a:p>
+          <a:p>
+            <a:endParaRPr lang="zh-CN" altLang="en-US" sz="1400" u="sng">
+              <a:latin typeface="Courier New" panose="02070309020205020404" charset="0"/>
+              <a:cs typeface="Courier New" panose="02070309020205020404" charset="0"/>
+            </a:endParaRPr>
+          </a:p>
+          <a:p>
+            <a:r>
+              <a:rPr lang="zh-CN" altLang="en-US" sz="1400" u="sng">
+                <a:latin typeface="Courier New" panose="02070309020205020404" charset="0"/>
+                <a:cs typeface="Courier New" panose="02070309020205020404" charset="0"/>
+              </a:rPr>
+              <a:t>对于一个孤儿进程组，要求终端向孤儿进程组中处于停止状态的每一个进程发送挂断信号</a:t>
+            </a:r>
+            <a:r>
+              <a:rPr lang="" altLang="zh-CN" sz="1400" u="sng">
+                <a:latin typeface="Courier New" panose="02070309020205020404" charset="0"/>
+                <a:cs typeface="Courier New" panose="02070309020205020404" charset="0"/>
+              </a:rPr>
+              <a:t>SIGHUP, </a:t>
+            </a:r>
+            <a:r>
+              <a:rPr lang="zh-CN" altLang="" sz="1400" u="sng">
+                <a:latin typeface="Courier New" panose="02070309020205020404" charset="0"/>
+                <a:cs typeface="Courier New" panose="02070309020205020404" charset="0"/>
+              </a:rPr>
+              <a:t>接着向其发送继续信号</a:t>
+            </a:r>
+            <a:r>
+              <a:rPr lang="en-US" altLang="zh-CN" sz="1400" u="sng">
+                <a:latin typeface="Courier New" panose="02070309020205020404" charset="0"/>
+                <a:cs typeface="Courier New" panose="02070309020205020404" charset="0"/>
+              </a:rPr>
+              <a:t>SIG</a:t>
+            </a:r>
+            <a:r>
+              <a:rPr lang="" altLang="en-US" sz="1400" u="sng">
+                <a:latin typeface="Courier New" panose="02070309020205020404" charset="0"/>
+                <a:cs typeface="Courier New" panose="02070309020205020404" charset="0"/>
+              </a:rPr>
+              <a:t>CONT</a:t>
+            </a:r>
+            <a:endParaRPr lang="" altLang="en-US" sz="1400" u="sng">
+              <a:latin typeface="Courier New" panose="02070309020205020404" charset="0"/>
+              <a:cs typeface="Courier New" panose="02070309020205020404" charset="0"/>
+            </a:endParaRPr>
+          </a:p>
+          <a:p>
+            <a:endParaRPr lang="" altLang="en-US" sz="1400" u="sng">
+              <a:latin typeface="Courier New" panose="02070309020205020404" charset="0"/>
+              <a:cs typeface="Courier New" panose="02070309020205020404" charset="0"/>
+            </a:endParaRPr>
+          </a:p>
+          <a:p>
+            <a:r>
+              <a:rPr lang="zh-CN" altLang="en-US" sz="1400" u="sng">
+                <a:latin typeface="Courier New" panose="02070309020205020404" charset="0"/>
+                <a:cs typeface="Courier New" panose="02070309020205020404" charset="0"/>
+              </a:rPr>
+              <a:t>对于处于后台的孤儿进程组来说，当其视图读取终端输入的时候，将会被</a:t>
+            </a:r>
+            <a:r>
+              <a:rPr lang="" altLang="zh-CN" sz="1400" u="sng">
+                <a:latin typeface="Courier New" panose="02070309020205020404" charset="0"/>
+                <a:cs typeface="Courier New" panose="02070309020205020404" charset="0"/>
+              </a:rPr>
+              <a:t>SIGTTIN</a:t>
+            </a:r>
+            <a:r>
+              <a:rPr lang="zh-CN" altLang="" sz="1400" u="sng">
+                <a:latin typeface="Courier New" panose="02070309020205020404" charset="0"/>
+                <a:cs typeface="Courier New" panose="02070309020205020404" charset="0"/>
+              </a:rPr>
+              <a:t>永远的停止，</a:t>
+            </a:r>
+            <a:r>
+              <a:rPr lang="en-US" altLang="zh-CN" sz="1400" u="sng">
+                <a:latin typeface="Courier New" panose="02070309020205020404" charset="0"/>
+                <a:cs typeface="Courier New" panose="02070309020205020404" charset="0"/>
+              </a:rPr>
+              <a:t>shell</a:t>
+            </a:r>
+            <a:r>
+              <a:rPr lang="zh-CN" altLang="en-US" sz="1400" u="sng">
+                <a:latin typeface="Courier New" panose="02070309020205020404" charset="0"/>
+                <a:cs typeface="Courier New" panose="02070309020205020404" charset="0"/>
+              </a:rPr>
+              <a:t>不会报告。</a:t>
+            </a:r>
+            <a:endParaRPr lang="zh-CN" altLang="en-US" sz="1400" u="sng">
+              <a:latin typeface="Courier New" panose="02070309020205020404" charset="0"/>
+              <a:cs typeface="Courier New" panose="02070309020205020404" charset="0"/>
+            </a:endParaRPr>
+          </a:p>
+          <a:p>
+            <a:endParaRPr lang="zh-CN" altLang="en-US" sz="1400" u="sng">
+              <a:latin typeface="Courier New" panose="02070309020205020404" charset="0"/>
+              <a:cs typeface="Courier New" panose="02070309020205020404" charset="0"/>
+            </a:endParaRPr>
+          </a:p>
+          <a:p>
+            <a:endParaRPr lang="zh-CN" altLang="en-US" sz="1400" u="sng">
+              <a:latin typeface="Courier New" panose="02070309020205020404" charset="0"/>
+              <a:cs typeface="Courier New" panose="02070309020205020404" charset="0"/>
+            </a:endParaRPr>
+          </a:p>
+          <a:p>
+            <a:r>
+              <a:rPr lang="zh-CN" altLang="en-US" sz="1400" u="sng">
+                <a:latin typeface="Courier New" panose="02070309020205020404" charset="0"/>
+                <a:cs typeface="Courier New" panose="02070309020205020404" charset="0"/>
+              </a:rPr>
+              <a:t>父进程终止后，如果该进程组变为孤儿进程组，将会自动转为后台进程组</a:t>
+            </a:r>
+            <a:endParaRPr lang="zh-CN" altLang="en-US" sz="1400" u="sng">
+              <a:latin typeface="Courier New" panose="02070309020205020404" charset="0"/>
+              <a:cs typeface="Courier New" panose="02070309020205020404" charset="0"/>
+            </a:endParaRPr>
+          </a:p>
+          <a:p>
+            <a:endParaRPr lang="zh-CN" altLang="en-US" sz="1400" u="sng">
+              <a:latin typeface="Courier New" panose="02070309020205020404" charset="0"/>
+              <a:cs typeface="Courier New" panose="02070309020205020404" charset="0"/>
+            </a:endParaRPr>
+          </a:p>
+          <a:p>
+            <a:endParaRPr lang="zh-CN" altLang="en-US" sz="1400" u="sng">
+              <a:latin typeface="Courier New" panose="02070309020205020404" charset="0"/>
+              <a:cs typeface="Courier New" panose="02070309020205020404" charset="0"/>
+            </a:endParaRPr>
+          </a:p>
+          <a:p>
+            <a:endParaRPr lang="zh-CN" altLang="en-US" sz="1400" u="sng">
+              <a:latin typeface="Courier New" panose="02070309020205020404" charset="0"/>
+              <a:cs typeface="Courier New" panose="02070309020205020404" charset="0"/>
+            </a:endParaRPr>
+          </a:p>
+          <a:p>
+            <a:endParaRPr lang="zh-CN" altLang="en-US" sz="1400" u="sng">
+              <a:latin typeface="Courier New" panose="02070309020205020404" charset="0"/>
+              <a:cs typeface="Courier New" panose="02070309020205020404" charset="0"/>
+            </a:endParaRPr>
+          </a:p>
+          <a:p>
+            <a:endParaRPr lang="en-US" altLang="zh-CN" sz="1400" u="sng">
+              <a:latin typeface="Courier New" panose="02070309020205020404" charset="0"/>
+              <a:cs typeface="Courier New" panose="02070309020205020404" charset="0"/>
+            </a:endParaRPr>
+          </a:p>
+          <a:p>
+            <a:endParaRPr lang="en-US" altLang="zh-CN" sz="1400" u="sng">
+              <a:latin typeface="Courier New" panose="02070309020205020404" charset="0"/>
+              <a:cs typeface="Courier New" panose="02070309020205020404" charset="0"/>
+            </a:endParaRPr>
+          </a:p>
+          <a:p>
+            <a:endParaRPr lang="en-US" altLang="zh-CN" sz="1400" u="sng">
+              <a:latin typeface="Courier New" panose="02070309020205020404" charset="0"/>
+              <a:cs typeface="Courier New" panose="02070309020205020404" charset="0"/>
+            </a:endParaRPr>
+          </a:p>
+        </p:txBody>
+      </p:sp>
+    </p:spTree>
+  </p:cSld>
+  <p:clrMapOvr>
+    <a:masterClrMapping/>
+  </p:clrMapOvr>
+</p:sld>
+</file>
+
 <file path=ppt/slides/slide2.xml><?xml version="1.0" encoding="utf-8"?>
 <p:sld xmlns:a="http://schemas.openxmlformats.org/drawingml/2006/main" xmlns:r="http://schemas.openxmlformats.org/officeDocument/2006/relationships" xmlns:p="http://schemas.openxmlformats.org/presentationml/2006/main">
   <p:cSld>
@@ -3736,14 +4320,14 @@
           <a:p>
             <a:pPr algn="ctr"/>
             <a:r>
-              <a:rPr lang="" altLang="en-US" sz="1400"/>
+              <a:rPr lang="en-US" altLang="en-US" sz="1400"/>
               <a:t>init</a:t>
             </a:r>
             <a:r>
-              <a:rPr lang="zh-CN" altLang="" sz="1400"/>
+              <a:rPr lang="zh-CN" altLang="en-US" sz="1400"/>
               <a:t>进程</a:t>
             </a:r>
-            <a:endParaRPr lang="zh-CN" altLang="" sz="1400"/>
+            <a:endParaRPr lang="zh-CN" altLang="en-US" sz="1400"/>
           </a:p>
         </p:txBody>
       </p:sp>
@@ -3783,10 +4367,10 @@
           <a:p>
             <a:pPr algn="ctr"/>
             <a:r>
-              <a:rPr lang="zh-CN" altLang="" sz="1400"/>
+              <a:rPr lang="zh-CN" altLang="en-US" sz="1400"/>
               <a:t>每一个允许登录的终端设备</a:t>
             </a:r>
-            <a:endParaRPr lang="zh-CN" altLang="" sz="1400"/>
+            <a:endParaRPr lang="zh-CN" altLang="en-US" sz="1400"/>
           </a:p>
         </p:txBody>
       </p:sp>
@@ -3826,12 +4410,8 @@
           <a:p>
             <a:pPr algn="ctr"/>
             <a:r>
-              <a:rPr lang="" altLang="en-US" sz="1200"/>
-              <a:t>/etc/tty</a:t>
-            </a:r>
-            <a:r>
-              <a:rPr lang="en-US" altLang="" sz="1200"/>
-              <a:t>s</a:t>
+              <a:rPr lang="en-US" altLang="en-US" sz="1200"/>
+              <a:t>/etc/ttys</a:t>
             </a:r>
             <a:r>
               <a:rPr lang="zh-CN" altLang="en-US" sz="1200"/>
@@ -3877,10 +4457,10 @@
           <a:p>
             <a:pPr algn="ctr"/>
             <a:r>
-              <a:rPr lang="" altLang="en-US"/>
+              <a:rPr lang="en-US" altLang="en-US"/>
               <a:t>init</a:t>
             </a:r>
-            <a:endParaRPr lang="" altLang="en-US"/>
+            <a:endParaRPr lang="en-US" altLang="en-US"/>
           </a:p>
         </p:txBody>
       </p:sp>
@@ -4144,10 +4724,10 @@
           </a:bodyPr>
           <a:p>
             <a:r>
-              <a:rPr lang="" altLang="en-US" sz="1400" b="1"/>
+              <a:rPr lang="en-US" altLang="en-US" sz="1400" b="1"/>
               <a:t>fork</a:t>
             </a:r>
-            <a:endParaRPr lang="" altLang="en-US" sz="1400" b="1"/>
+            <a:endParaRPr lang="en-US" altLang="en-US" sz="1400" b="1"/>
           </a:p>
         </p:txBody>
       </p:sp>
@@ -4212,10 +4792,10 @@
           </a:bodyPr>
           <a:p>
             <a:r>
-              <a:rPr lang="" altLang="en-US" sz="1400" b="1"/>
+              <a:rPr lang="en-US" altLang="en-US" sz="1400" b="1"/>
               <a:t>exec</a:t>
             </a:r>
-            <a:endParaRPr lang="" altLang="en-US" sz="1400" b="1"/>
+            <a:endParaRPr lang="en-US" altLang="en-US" sz="1400" b="1"/>
           </a:p>
         </p:txBody>
       </p:sp>
@@ -4291,7 +4871,7 @@
           </a:bodyPr>
           <a:p>
             <a:r>
-              <a:rPr lang="en-US" altLang="" sz="1400" b="1"/>
+              <a:rPr lang="en-US" altLang="en-US" sz="1400" b="1"/>
               <a:t>1.</a:t>
             </a:r>
             <a:r>
@@ -4313,17 +4893,17 @@
               <a:t>将文件描述符</a:t>
             </a:r>
             <a:r>
-              <a:rPr lang="" altLang="zh-CN" sz="1400" b="1"/>
+              <a:rPr lang="en-US" altLang="zh-CN" sz="1400" b="1"/>
               <a:t>0,1,2</a:t>
             </a:r>
             <a:r>
-              <a:rPr lang="zh-CN" altLang="" sz="1400" b="1"/>
+              <a:rPr lang="zh-CN" altLang="en-US" sz="1400" b="1"/>
               <a:t>设置到该设备</a:t>
             </a:r>
-            <a:endParaRPr lang="zh-CN" altLang="" sz="1400" b="1"/>
-          </a:p>
-          <a:p>
-            <a:endParaRPr lang="zh-CN" altLang="" sz="1400" b="1"/>
+            <a:endParaRPr lang="zh-CN" altLang="en-US" sz="1400" b="1"/>
+          </a:p>
+          <a:p>
+            <a:endParaRPr lang="zh-CN" altLang="en-US" sz="1400" b="1"/>
           </a:p>
           <a:p>
             <a:r>
@@ -4341,22 +4921,22 @@
           </a:p>
           <a:p>
             <a:r>
-              <a:rPr lang="" altLang="zh-CN" sz="1400" b="1"/>
+              <a:rPr lang="en-US" altLang="zh-CN" sz="1400" b="1"/>
               <a:t>4.execl</a:t>
             </a:r>
             <a:r>
-              <a:rPr lang="zh-CN" altLang="" sz="1400" b="1"/>
+              <a:rPr lang="zh-CN" altLang="en-US" sz="1400" b="1"/>
               <a:t>调用</a:t>
             </a:r>
             <a:r>
-              <a:rPr lang="" altLang="zh-CN" sz="1400" b="1"/>
+              <a:rPr lang="en-US" altLang="zh-CN" sz="1400" b="1"/>
               <a:t>login</a:t>
             </a:r>
             <a:r>
-              <a:rPr lang="zh-CN" altLang="" sz="1400" b="1"/>
+              <a:rPr lang="zh-CN" altLang="en-US" sz="1400" b="1"/>
               <a:t>程序</a:t>
             </a:r>
-            <a:endParaRPr lang="zh-CN" altLang="" sz="1400" b="1"/>
+            <a:endParaRPr lang="zh-CN" altLang="en-US" sz="1400" b="1"/>
           </a:p>
         </p:txBody>
       </p:sp>
@@ -4661,10 +5241,10 @@
           </a:bodyPr>
           <a:p>
             <a:r>
-              <a:rPr lang="zh-CN" altLang="" sz="1400" b="1"/>
+              <a:rPr lang="zh-CN" altLang="en-US" sz="1400" b="1"/>
               <a:t>登录失败</a:t>
             </a:r>
-            <a:endParaRPr lang="zh-CN" altLang="" sz="1400" b="1"/>
+            <a:endParaRPr lang="zh-CN" altLang="en-US" sz="1400" b="1"/>
           </a:p>
         </p:txBody>
       </p:sp>
@@ -4743,10 +5323,10 @@
           <a:p>
             <a:pPr algn="ctr"/>
             <a:r>
-              <a:rPr lang="" altLang="en-US"/>
+              <a:rPr lang="en-US" altLang="en-US"/>
               <a:t>shell</a:t>
             </a:r>
-            <a:endParaRPr lang="" altLang="en-US"/>
+            <a:endParaRPr lang="en-US" altLang="en-US"/>
           </a:p>
         </p:txBody>
       </p:sp>
@@ -4888,168 +5468,161 @@
           </a:bodyPr>
           <a:p>
             <a:r>
-              <a:rPr lang="" altLang="en-US" sz="1400" u="sng">
+              <a:rPr lang="en-US" altLang="en-US" sz="1400" u="sng">
                 <a:latin typeface="Courier New" panose="02070309020205020404" charset="0"/>
                 <a:cs typeface="Courier New" panose="02070309020205020404" charset="0"/>
               </a:rPr>
               <a:t>1. </a:t>
             </a:r>
             <a:r>
-              <a:rPr lang="zh-CN" altLang="" sz="1400" u="sng">
+              <a:rPr lang="zh-CN" altLang="en-US" sz="1400" u="sng">
                 <a:latin typeface="Courier New" panose="02070309020205020404" charset="0"/>
                 <a:cs typeface="Courier New" panose="02070309020205020404" charset="0"/>
               </a:rPr>
               <a:t>进程组：一个或者多个进程的集合</a:t>
             </a:r>
-            <a:endParaRPr lang="zh-CN" altLang="" sz="1400" u="sng">
-              <a:latin typeface="Courier New" panose="02070309020205020404" charset="0"/>
-              <a:cs typeface="Courier New" panose="02070309020205020404" charset="0"/>
-            </a:endParaRPr>
-          </a:p>
-          <a:p>
-            <a:endParaRPr lang="zh-CN" altLang="" sz="1400" u="sng">
-              <a:latin typeface="Courier New" panose="02070309020205020404" charset="0"/>
-              <a:cs typeface="Courier New" panose="02070309020205020404" charset="0"/>
-            </a:endParaRPr>
-          </a:p>
-          <a:p>
-            <a:endParaRPr lang="zh-CN" altLang="" sz="1400" u="sng">
-              <a:latin typeface="Courier New" panose="02070309020205020404" charset="0"/>
-              <a:cs typeface="Courier New" panose="02070309020205020404" charset="0"/>
-            </a:endParaRPr>
-          </a:p>
-          <a:p>
-            <a:r>
-              <a:rPr lang="en-US" altLang="" sz="1400" u="sng">
+            <a:endParaRPr lang="zh-CN" altLang="en-US" sz="1400" u="sng">
+              <a:latin typeface="Courier New" panose="02070309020205020404" charset="0"/>
+              <a:cs typeface="Courier New" panose="02070309020205020404" charset="0"/>
+            </a:endParaRPr>
+          </a:p>
+          <a:p>
+            <a:endParaRPr lang="zh-CN" altLang="en-US" sz="1400" u="sng">
+              <a:latin typeface="Courier New" panose="02070309020205020404" charset="0"/>
+              <a:cs typeface="Courier New" panose="02070309020205020404" charset="0"/>
+            </a:endParaRPr>
+          </a:p>
+          <a:p>
+            <a:endParaRPr lang="zh-CN" altLang="en-US" sz="1400" u="sng">
+              <a:latin typeface="Courier New" panose="02070309020205020404" charset="0"/>
+              <a:cs typeface="Courier New" panose="02070309020205020404" charset="0"/>
+            </a:endParaRPr>
+          </a:p>
+          <a:p>
+            <a:r>
+              <a:rPr lang="en-US" altLang="en-US" sz="1400" u="sng">
+                <a:latin typeface="Courier New" panose="02070309020205020404" charset="0"/>
+                <a:cs typeface="Courier New" panose="02070309020205020404" charset="0"/>
+              </a:rPr>
+              <a:t>pid_t getpgrp(void); //</a:t>
+            </a:r>
+            <a:r>
+              <a:rPr lang="zh-CN" altLang="en-US" sz="1400" u="sng">
+                <a:latin typeface="Courier New" panose="02070309020205020404" charset="0"/>
+                <a:cs typeface="Courier New" panose="02070309020205020404" charset="0"/>
+              </a:rPr>
+              <a:t>返回调用进程的进程组</a:t>
+            </a:r>
+            <a:r>
+              <a:rPr lang="en-US" altLang="zh-CN" sz="1400" u="sng">
+                <a:latin typeface="Courier New" panose="02070309020205020404" charset="0"/>
+                <a:cs typeface="Courier New" panose="02070309020205020404" charset="0"/>
+              </a:rPr>
+              <a:t>id</a:t>
+            </a:r>
+            <a:endParaRPr lang="en-US" altLang="zh-CN" sz="1400" u="sng">
+              <a:latin typeface="Courier New" panose="02070309020205020404" charset="0"/>
+              <a:cs typeface="Courier New" panose="02070309020205020404" charset="0"/>
+            </a:endParaRPr>
+          </a:p>
+          <a:p>
+            <a:endParaRPr lang="en-US" altLang="zh-CN" sz="1400" u="sng">
+              <a:latin typeface="Courier New" panose="02070309020205020404" charset="0"/>
+              <a:cs typeface="Courier New" panose="02070309020205020404" charset="0"/>
+            </a:endParaRPr>
+          </a:p>
+          <a:p>
+            <a:r>
+              <a:rPr lang="en-US" altLang="zh-CN" sz="1400" u="sng">
+                <a:latin typeface="Courier New" panose="02070309020205020404" charset="0"/>
+                <a:cs typeface="Courier New" panose="02070309020205020404" charset="0"/>
+              </a:rPr>
+              <a:t>pid_t getpgid(pid_t pid); //</a:t>
+            </a:r>
+            <a:r>
+              <a:rPr lang="zh-CN" altLang="en-US" sz="1400" u="sng">
+                <a:latin typeface="Courier New" panose="02070309020205020404" charset="0"/>
+                <a:cs typeface="Courier New" panose="02070309020205020404" charset="0"/>
+              </a:rPr>
+              <a:t>返回指定进程的进程组</a:t>
+            </a:r>
+            <a:r>
+              <a:rPr lang="en-US" altLang="zh-CN" sz="1400" u="sng">
+                <a:latin typeface="Courier New" panose="02070309020205020404" charset="0"/>
+                <a:cs typeface="Courier New" panose="02070309020205020404" charset="0"/>
+              </a:rPr>
+              <a:t>ID</a:t>
+            </a:r>
+            <a:r>
+              <a:rPr lang="zh-CN" altLang="en-US" sz="1400" u="sng">
+                <a:latin typeface="Courier New" panose="02070309020205020404" charset="0"/>
+                <a:cs typeface="Courier New" panose="02070309020205020404" charset="0"/>
+              </a:rPr>
+              <a:t>，</a:t>
+            </a:r>
+            <a:r>
+              <a:rPr lang="en-US" altLang="zh-CN" sz="1400" u="sng">
+                <a:latin typeface="Courier New" panose="02070309020205020404" charset="0"/>
+                <a:cs typeface="Courier New" panose="02070309020205020404" charset="0"/>
+              </a:rPr>
+              <a:t> </a:t>
+            </a:r>
+            <a:r>
+              <a:rPr lang="zh-CN" altLang="en-US" sz="1400" u="sng">
+                <a:latin typeface="Courier New" panose="02070309020205020404" charset="0"/>
+                <a:cs typeface="Courier New" panose="02070309020205020404" charset="0"/>
+              </a:rPr>
+              <a:t>失败，返回</a:t>
+            </a:r>
+            <a:r>
+              <a:rPr lang="en-US" altLang="zh-CN" sz="1400" u="sng">
+                <a:latin typeface="Courier New" panose="02070309020205020404" charset="0"/>
+                <a:cs typeface="Courier New" panose="02070309020205020404" charset="0"/>
+              </a:rPr>
+              <a:t>-1. </a:t>
+            </a:r>
+            <a:r>
+              <a:rPr lang="zh-CN" altLang="en-US" sz="1400" u="sng">
+                <a:latin typeface="Courier New" panose="02070309020205020404" charset="0"/>
+                <a:cs typeface="Courier New" panose="02070309020205020404" charset="0"/>
+              </a:rPr>
+              <a:t>如果</a:t>
+            </a:r>
+            <a:r>
+              <a:rPr lang="en-US" altLang="zh-CN" sz="1400" u="sng">
                 <a:latin typeface="Courier New" panose="02070309020205020404" charset="0"/>
                 <a:cs typeface="Courier New" panose="02070309020205020404" charset="0"/>
               </a:rPr>
               <a:t>pid</a:t>
             </a:r>
             <a:r>
-              <a:rPr lang="" altLang="en-US" sz="1400" u="sng">
-                <a:latin typeface="Courier New" panose="02070309020205020404" charset="0"/>
-                <a:cs typeface="Courier New" panose="02070309020205020404" charset="0"/>
-              </a:rPr>
-              <a:t>_t getpgrp(void); //</a:t>
-            </a:r>
-            <a:r>
-              <a:rPr lang="zh-CN" altLang="" sz="1400" u="sng">
-                <a:latin typeface="Courier New" panose="02070309020205020404" charset="0"/>
-                <a:cs typeface="Courier New" panose="02070309020205020404" charset="0"/>
-              </a:rPr>
-              <a:t>返回调用进程的进程组</a:t>
-            </a:r>
-            <a:r>
-              <a:rPr lang="" altLang="zh-CN" sz="1400" u="sng">
-                <a:latin typeface="Courier New" panose="02070309020205020404" charset="0"/>
-                <a:cs typeface="Courier New" panose="02070309020205020404" charset="0"/>
-              </a:rPr>
-              <a:t>id</a:t>
-            </a:r>
-            <a:endParaRPr lang="" altLang="zh-CN" sz="1400" u="sng">
-              <a:latin typeface="Courier New" panose="02070309020205020404" charset="0"/>
-              <a:cs typeface="Courier New" panose="02070309020205020404" charset="0"/>
-            </a:endParaRPr>
-          </a:p>
-          <a:p>
-            <a:endParaRPr lang="" altLang="zh-CN" sz="1400" u="sng">
-              <a:latin typeface="Courier New" panose="02070309020205020404" charset="0"/>
-              <a:cs typeface="Courier New" panose="02070309020205020404" charset="0"/>
-            </a:endParaRPr>
-          </a:p>
-          <a:p>
-            <a:r>
-              <a:rPr lang="" altLang="zh-CN" sz="1400" u="sng">
-                <a:latin typeface="Courier New" panose="02070309020205020404" charset="0"/>
-                <a:cs typeface="Courier New" panose="02070309020205020404" charset="0"/>
-              </a:rPr>
-              <a:t>pid_t getpgid(pid_t pid); //</a:t>
-            </a:r>
-            <a:r>
-              <a:rPr lang="zh-CN" altLang="" sz="1400" u="sng">
-                <a:latin typeface="Courier New" panose="02070309020205020404" charset="0"/>
-                <a:cs typeface="Courier New" panose="02070309020205020404" charset="0"/>
-              </a:rPr>
-              <a:t>返回指定进程的进程组</a:t>
-            </a:r>
-            <a:r>
-              <a:rPr lang="en-US" altLang="zh-CN" sz="1400" u="sng">
-                <a:latin typeface="Courier New" panose="02070309020205020404" charset="0"/>
-                <a:cs typeface="Courier New" panose="02070309020205020404" charset="0"/>
-              </a:rPr>
-              <a:t>ID</a:t>
-            </a:r>
-            <a:r>
-              <a:rPr lang="zh-CN" altLang="en-US" sz="1400" u="sng">
-                <a:latin typeface="Courier New" panose="02070309020205020404" charset="0"/>
-                <a:cs typeface="Courier New" panose="02070309020205020404" charset="0"/>
-              </a:rPr>
-              <a:t>，</a:t>
-            </a:r>
-            <a:r>
-              <a:rPr lang="en-US" altLang="zh-CN" sz="1400" u="sng">
-                <a:latin typeface="Courier New" panose="02070309020205020404" charset="0"/>
-                <a:cs typeface="Courier New" panose="02070309020205020404" charset="0"/>
-              </a:rPr>
-              <a:t> </a:t>
-            </a:r>
-            <a:r>
-              <a:rPr lang="zh-CN" altLang="en-US" sz="1400" u="sng">
-                <a:latin typeface="Courier New" panose="02070309020205020404" charset="0"/>
-                <a:cs typeface="Courier New" panose="02070309020205020404" charset="0"/>
-              </a:rPr>
-              <a:t>失败，返回</a:t>
-            </a:r>
-            <a:r>
-              <a:rPr lang="en-US" altLang="zh-CN" sz="1400" u="sng">
-                <a:latin typeface="Courier New" panose="02070309020205020404" charset="0"/>
-                <a:cs typeface="Courier New" panose="02070309020205020404" charset="0"/>
-              </a:rPr>
-              <a:t>-1. </a:t>
-            </a:r>
-            <a:r>
-              <a:rPr lang="zh-CN" altLang="en-US" sz="1400" u="sng">
-                <a:latin typeface="Courier New" panose="02070309020205020404" charset="0"/>
-                <a:cs typeface="Courier New" panose="02070309020205020404" charset="0"/>
-              </a:rPr>
-              <a:t>如果</a:t>
-            </a:r>
-            <a:r>
-              <a:rPr lang="en-US" altLang="zh-CN" sz="1400" u="sng">
-                <a:latin typeface="Courier New" panose="02070309020205020404" charset="0"/>
-                <a:cs typeface="Courier New" panose="02070309020205020404" charset="0"/>
-              </a:rPr>
-              <a:t>pid</a:t>
-            </a:r>
-            <a:r>
-              <a:rPr lang="" altLang="en-US" sz="1400" u="sng">
+              <a:rPr lang="en-US" altLang="en-US" sz="1400" u="sng">
                 <a:latin typeface="Courier New" panose="02070309020205020404" charset="0"/>
                 <a:cs typeface="Courier New" panose="02070309020205020404" charset="0"/>
               </a:rPr>
               <a:t>=0. </a:t>
             </a:r>
             <a:r>
-              <a:rPr lang="zh-CN" altLang="" sz="1400" u="sng">
+              <a:rPr lang="zh-CN" altLang="en-US" sz="1400" u="sng">
                 <a:latin typeface="Courier New" panose="02070309020205020404" charset="0"/>
                 <a:cs typeface="Courier New" panose="02070309020205020404" charset="0"/>
               </a:rPr>
               <a:t>相当于调用</a:t>
             </a:r>
             <a:r>
-              <a:rPr lang="" altLang="zh-CN" sz="1400" u="sng">
+              <a:rPr lang="en-US" altLang="zh-CN" sz="1400" u="sng">
                 <a:latin typeface="Courier New" panose="02070309020205020404" charset="0"/>
                 <a:cs typeface="Courier New" panose="02070309020205020404" charset="0"/>
               </a:rPr>
               <a:t>getpgrp()</a:t>
             </a:r>
-            <a:endParaRPr lang="" altLang="zh-CN" sz="1400" u="sng">
-              <a:latin typeface="Courier New" panose="02070309020205020404" charset="0"/>
-              <a:cs typeface="Courier New" panose="02070309020205020404" charset="0"/>
-            </a:endParaRPr>
-          </a:p>
-          <a:p>
-            <a:endParaRPr lang="" altLang="zh-CN" sz="1400" u="sng">
+            <a:endParaRPr lang="en-US" altLang="zh-CN" sz="1400" u="sng">
+              <a:latin typeface="Courier New" panose="02070309020205020404" charset="0"/>
+              <a:cs typeface="Courier New" panose="02070309020205020404" charset="0"/>
+            </a:endParaRPr>
+          </a:p>
+          <a:p>
+            <a:endParaRPr lang="en-US" altLang="zh-CN" sz="1400" u="sng">
               <a:latin typeface="Courier New" panose="02070309020205020404" charset="0"/>
               <a:cs typeface="Courier New" panose="02070309020205020404" charset="0"/>
             </a:endParaRPr>
@@ -5243,14 +5816,14 @@
               <a:t>int</a:t>
             </a:r>
             <a:r>
-              <a:rPr lang="" altLang="en-US" sz="1400" u="sng">
+              <a:rPr lang="en-US" altLang="en-US" sz="1400" u="sng">
                 <a:latin typeface="Courier New" panose="02070309020205020404" charset="0"/>
                 <a:cs typeface="Courier New" panose="02070309020205020404" charset="0"/>
               </a:rPr>
               <a:t> setpgid(pid_t pid, pid_t pgid); //</a:t>
             </a:r>
             <a:r>
-              <a:rPr lang="zh-CN" altLang="" sz="1400" u="sng">
+              <a:rPr lang="zh-CN" altLang="en-US" sz="1400" u="sng">
                 <a:latin typeface="Courier New" panose="02070309020205020404" charset="0"/>
                 <a:cs typeface="Courier New" panose="02070309020205020404" charset="0"/>
               </a:rPr>
@@ -5290,14 +5863,14 @@
           </a:p>
           <a:p>
             <a:r>
-              <a:rPr lang="" altLang="en-US" sz="1400" u="sng">
+              <a:rPr lang="en-US" altLang="en-US" sz="1400" u="sng">
                 <a:latin typeface="Courier New" panose="02070309020205020404" charset="0"/>
                 <a:cs typeface="Courier New" panose="02070309020205020404" charset="0"/>
               </a:rPr>
               <a:t>	1. </a:t>
             </a:r>
             <a:r>
-              <a:rPr lang="zh-CN" altLang="" sz="1400" u="sng">
+              <a:rPr lang="zh-CN" altLang="en-US" sz="1400" u="sng">
                 <a:latin typeface="Courier New" panose="02070309020205020404" charset="0"/>
                 <a:cs typeface="Courier New" panose="02070309020205020404" charset="0"/>
               </a:rPr>
@@ -5352,14 +5925,14 @@
               <a:t>	2</a:t>
             </a:r>
             <a:r>
-              <a:rPr lang="" altLang="en-US" sz="1400" u="sng">
+              <a:rPr lang="en-US" altLang="en-US" sz="1400" u="sng">
                 <a:latin typeface="Courier New" panose="02070309020205020404" charset="0"/>
                 <a:cs typeface="Courier New" panose="02070309020205020404" charset="0"/>
               </a:rPr>
               <a:t>. </a:t>
             </a:r>
             <a:r>
-              <a:rPr lang="zh-CN" altLang="" sz="1400" u="sng">
+              <a:rPr lang="zh-CN" altLang="en-US" sz="1400" u="sng">
                 <a:latin typeface="Courier New" panose="02070309020205020404" charset="0"/>
                 <a:cs typeface="Courier New" panose="02070309020205020404" charset="0"/>
               </a:rPr>
@@ -5642,7 +6215,7 @@
         </p:blipFill>
         <p:spPr>
           <a:xfrm>
-            <a:off x="2853055" y="4593590"/>
+            <a:off x="998220" y="4593590"/>
             <a:ext cx="4276725" cy="1076325"/>
           </a:xfrm>
           <a:prstGeom prst="rect">
@@ -5745,8 +6318,8 @@
         </p:nvSpPr>
         <p:spPr>
           <a:xfrm>
-            <a:off x="156845" y="922020"/>
-            <a:ext cx="10687685" cy="1168400"/>
+            <a:off x="3373120" y="2844800"/>
+            <a:ext cx="5445760" cy="1168400"/>
           </a:xfrm>
           <a:prstGeom prst="rect">
             <a:avLst/>
@@ -5907,27 +6480,27 @@
               <a:t>pid</a:t>
             </a:r>
             <a:r>
-              <a:rPr lang="" altLang="en-US" sz="1400" u="sng">
+              <a:rPr lang="en-US" altLang="en-US" sz="1400" u="sng">
                 <a:latin typeface="Courier New" panose="02070309020205020404" charset="0"/>
                 <a:cs typeface="Courier New" panose="02070309020205020404" charset="0"/>
               </a:rPr>
               <a:t>_t setsid(void)</a:t>
             </a:r>
-            <a:endParaRPr lang="" altLang="en-US" sz="1400" u="sng">
-              <a:latin typeface="Courier New" panose="02070309020205020404" charset="0"/>
-              <a:cs typeface="Courier New" panose="02070309020205020404" charset="0"/>
-            </a:endParaRPr>
-          </a:p>
-          <a:p>
-            <a:r>
-              <a:rPr lang="" altLang="en-US" sz="1400" u="sng">
+            <a:endParaRPr lang="en-US" altLang="en-US" sz="1400" u="sng">
+              <a:latin typeface="Courier New" panose="02070309020205020404" charset="0"/>
+              <a:cs typeface="Courier New" panose="02070309020205020404" charset="0"/>
+            </a:endParaRPr>
+          </a:p>
+          <a:p>
+            <a:r>
+              <a:rPr lang="en-US" altLang="en-US" sz="1400" u="sng">
                 <a:latin typeface="Courier New" panose="02070309020205020404" charset="0"/>
                 <a:cs typeface="Courier New" panose="02070309020205020404" charset="0"/>
               </a:rPr>
               <a:t>	//</a:t>
             </a:r>
             <a:r>
-              <a:rPr lang="zh-CN" altLang="" sz="1400" u="sng">
+              <a:rPr lang="zh-CN" altLang="en-US" sz="1400" u="sng">
                 <a:latin typeface="Courier New" panose="02070309020205020404" charset="0"/>
                 <a:cs typeface="Courier New" panose="02070309020205020404" charset="0"/>
               </a:rPr>
@@ -6083,27 +6656,27 @@
               <a:t>pid</a:t>
             </a:r>
             <a:r>
-              <a:rPr lang="" altLang="en-US" sz="1400" u="sng">
+              <a:rPr lang="en-US" altLang="en-US" sz="1400" u="sng">
                 <a:latin typeface="Courier New" panose="02070309020205020404" charset="0"/>
                 <a:cs typeface="Courier New" panose="02070309020205020404" charset="0"/>
               </a:rPr>
               <a:t>_t getsid(pid_t pid) </a:t>
             </a:r>
-            <a:endParaRPr lang="" altLang="en-US" sz="1400" u="sng">
-              <a:latin typeface="Courier New" panose="02070309020205020404" charset="0"/>
-              <a:cs typeface="Courier New" panose="02070309020205020404" charset="0"/>
-            </a:endParaRPr>
-          </a:p>
-          <a:p>
-            <a:r>
-              <a:rPr lang="" altLang="en-US" sz="1400" u="sng">
+            <a:endParaRPr lang="en-US" altLang="en-US" sz="1400" u="sng">
+              <a:latin typeface="Courier New" panose="02070309020205020404" charset="0"/>
+              <a:cs typeface="Courier New" panose="02070309020205020404" charset="0"/>
+            </a:endParaRPr>
+          </a:p>
+          <a:p>
+            <a:r>
+              <a:rPr lang="en-US" altLang="en-US" sz="1400" u="sng">
                 <a:latin typeface="Courier New" panose="02070309020205020404" charset="0"/>
                 <a:cs typeface="Courier New" panose="02070309020205020404" charset="0"/>
               </a:rPr>
               <a:t>	//</a:t>
             </a:r>
             <a:r>
-              <a:rPr lang="zh-CN" altLang="" sz="1400" u="sng">
+              <a:rPr lang="zh-CN" altLang="en-US" sz="1400" u="sng">
                 <a:latin typeface="Courier New" panose="02070309020205020404" charset="0"/>
                 <a:cs typeface="Courier New" panose="02070309020205020404" charset="0"/>
               </a:rPr>
@@ -6124,27 +6697,27 @@
               <a:t>，失败，返回</a:t>
             </a:r>
             <a:r>
-              <a:rPr lang="" altLang="zh-CN" sz="1400" u="sng">
+              <a:rPr lang="en-US" altLang="zh-CN" sz="1400" u="sng">
                 <a:latin typeface="Courier New" panose="02070309020205020404" charset="0"/>
                 <a:cs typeface="Courier New" panose="02070309020205020404" charset="0"/>
               </a:rPr>
               <a:t>-1</a:t>
             </a:r>
-            <a:endParaRPr lang="" altLang="zh-CN" sz="1400" u="sng">
-              <a:latin typeface="Courier New" panose="02070309020205020404" charset="0"/>
-              <a:cs typeface="Courier New" panose="02070309020205020404" charset="0"/>
-            </a:endParaRPr>
-          </a:p>
-          <a:p>
-            <a:r>
-              <a:rPr lang="" altLang="zh-CN" sz="1400" u="sng">
+            <a:endParaRPr lang="en-US" altLang="zh-CN" sz="1400" u="sng">
+              <a:latin typeface="Courier New" panose="02070309020205020404" charset="0"/>
+              <a:cs typeface="Courier New" panose="02070309020205020404" charset="0"/>
+            </a:endParaRPr>
+          </a:p>
+          <a:p>
+            <a:r>
+              <a:rPr lang="en-US" altLang="zh-CN" sz="1400" u="sng">
                 <a:latin typeface="Courier New" panose="02070309020205020404" charset="0"/>
                 <a:cs typeface="Courier New" panose="02070309020205020404" charset="0"/>
               </a:rPr>
               <a:t>	</a:t>
             </a:r>
             <a:r>
-              <a:rPr lang="en-US" altLang="" sz="1400" u="sng">
+              <a:rPr lang="en-US" altLang="en-US" sz="1400" u="sng">
                 <a:latin typeface="Courier New" panose="02070309020205020404" charset="0"/>
                 <a:cs typeface="Courier New" panose="02070309020205020404" charset="0"/>
               </a:rPr>
@@ -6298,7 +6871,7 @@
           </a:bodyPr>
           <a:p>
             <a:r>
-              <a:rPr lang="zh-CN" altLang="" b="1">
+              <a:rPr lang="zh-CN" altLang="en-US" b="1">
                 <a:effectLst>
                   <a:outerShdw blurRad="38100" dist="38100" dir="2700000" algn="tl">
                     <a:srgbClr val="000000">
@@ -6416,26 +6989,26 @@
               <a:t>3</a:t>
             </a:r>
             <a:r>
-              <a:rPr lang="" altLang="en-US" sz="1400" u="sng">
+              <a:rPr lang="en-US" altLang="en-US" sz="1400" u="sng">
                 <a:latin typeface="Courier New" panose="02070309020205020404" charset="0"/>
                 <a:cs typeface="Courier New" panose="02070309020205020404" charset="0"/>
               </a:rPr>
               <a:t>.</a:t>
             </a:r>
             <a:r>
-              <a:rPr lang="zh-CN" altLang="" sz="1400" u="sng">
+              <a:rPr lang="zh-CN" altLang="en-US" sz="1400" u="sng">
                 <a:latin typeface="Courier New" panose="02070309020205020404" charset="0"/>
                 <a:cs typeface="Courier New" panose="02070309020205020404" charset="0"/>
               </a:rPr>
               <a:t>一个会话中的进程组可被分为一个前台进程组和多个后台进程组</a:t>
             </a:r>
-            <a:endParaRPr lang="zh-CN" altLang="" sz="1400" u="sng">
-              <a:latin typeface="Courier New" panose="02070309020205020404" charset="0"/>
-              <a:cs typeface="Courier New" panose="02070309020205020404" charset="0"/>
-            </a:endParaRPr>
-          </a:p>
-          <a:p>
-            <a:endParaRPr lang="zh-CN" altLang="" sz="1400" u="sng">
+            <a:endParaRPr lang="zh-CN" altLang="en-US" sz="1400" u="sng">
+              <a:latin typeface="Courier New" panose="02070309020205020404" charset="0"/>
+              <a:cs typeface="Courier New" panose="02070309020205020404" charset="0"/>
+            </a:endParaRPr>
+          </a:p>
+          <a:p>
+            <a:endParaRPr lang="zh-CN" altLang="en-US" sz="1400" u="sng">
               <a:latin typeface="Courier New" panose="02070309020205020404" charset="0"/>
               <a:cs typeface="Courier New" panose="02070309020205020404" charset="0"/>
             </a:endParaRPr>
@@ -6561,14 +7134,14 @@
           </a:p>
           <a:p>
             <a:r>
-              <a:rPr lang="" altLang="en-US" sz="1400" u="sng">
+              <a:rPr lang="en-US" altLang="en-US" sz="1400" u="sng">
                 <a:latin typeface="Courier New" panose="02070309020205020404" charset="0"/>
                 <a:cs typeface="Courier New" panose="02070309020205020404" charset="0"/>
               </a:rPr>
               <a:t>pid_t tcgetpgrp(int fd); //</a:t>
             </a:r>
             <a:r>
-              <a:rPr lang="zh-CN" altLang="" sz="1400" u="sng">
+              <a:rPr lang="zh-CN" altLang="en-US" sz="1400" u="sng">
                 <a:latin typeface="Courier New" panose="02070309020205020404" charset="0"/>
                 <a:cs typeface="Courier New" panose="02070309020205020404" charset="0"/>
               </a:rPr>
@@ -6589,14 +7162,14 @@
               <a:t>，出错，返回</a:t>
             </a:r>
             <a:r>
-              <a:rPr lang="" altLang="zh-CN" sz="1400" u="sng">
+              <a:rPr lang="en-US" altLang="zh-CN" sz="1400" u="sng">
                 <a:latin typeface="Courier New" panose="02070309020205020404" charset="0"/>
                 <a:cs typeface="Courier New" panose="02070309020205020404" charset="0"/>
               </a:rPr>
               <a:t>-1, </a:t>
             </a:r>
             <a:r>
-              <a:rPr lang="en-US" altLang="" sz="1400" u="sng">
+              <a:rPr lang="en-US" altLang="en-US" sz="1400" u="sng">
                 <a:latin typeface="Courier New" panose="02070309020205020404" charset="0"/>
                 <a:cs typeface="Courier New" panose="02070309020205020404" charset="0"/>
               </a:rPr>
@@ -6622,14 +7195,14 @@
           </a:p>
           <a:p>
             <a:r>
-              <a:rPr lang="" altLang="zh-CN" sz="1400" u="sng">
+              <a:rPr lang="en-US" altLang="zh-CN" sz="1400" u="sng">
                 <a:latin typeface="Courier New" panose="02070309020205020404" charset="0"/>
                 <a:cs typeface="Courier New" panose="02070309020205020404" charset="0"/>
               </a:rPr>
               <a:t>int tcsetpgrp(int fd, pid_t pgrpid); //</a:t>
             </a:r>
             <a:r>
-              <a:rPr lang="zh-CN" altLang="" sz="1400" u="sng">
+              <a:rPr lang="zh-CN" altLang="en-US" sz="1400" u="sng">
                 <a:latin typeface="Courier New" panose="02070309020205020404" charset="0"/>
                 <a:cs typeface="Courier New" panose="02070309020205020404" charset="0"/>
               </a:rPr>
@@ -6692,26 +7265,26 @@
               <a:t>将</a:t>
             </a:r>
             <a:r>
-              <a:rPr lang="" altLang="zh-CN" sz="1400" u="sng">
+              <a:rPr lang="en-US" altLang="zh-CN" sz="1400" u="sng">
                 <a:latin typeface="Courier New" panose="02070309020205020404" charset="0"/>
                 <a:cs typeface="Courier New" panose="02070309020205020404" charset="0"/>
               </a:rPr>
               <a:t>pgrpid</a:t>
             </a:r>
             <a:r>
-              <a:rPr lang="zh-CN" altLang="" sz="1400" u="sng">
+              <a:rPr lang="zh-CN" altLang="en-US" sz="1400" u="sng">
                 <a:latin typeface="Courier New" panose="02070309020205020404" charset="0"/>
                 <a:cs typeface="Courier New" panose="02070309020205020404" charset="0"/>
               </a:rPr>
               <a:t>指定的进程组设置位前台进程组</a:t>
             </a:r>
-            <a:endParaRPr lang="zh-CN" altLang="" sz="1400" u="sng">
-              <a:latin typeface="Courier New" panose="02070309020205020404" charset="0"/>
-              <a:cs typeface="Courier New" panose="02070309020205020404" charset="0"/>
-            </a:endParaRPr>
-          </a:p>
-          <a:p>
-            <a:endParaRPr lang="zh-CN" altLang="" sz="1400" u="sng">
+            <a:endParaRPr lang="zh-CN" altLang="en-US" sz="1400" u="sng">
+              <a:latin typeface="Courier New" panose="02070309020205020404" charset="0"/>
+              <a:cs typeface="Courier New" panose="02070309020205020404" charset="0"/>
+            </a:endParaRPr>
+          </a:p>
+          <a:p>
+            <a:endParaRPr lang="zh-CN" altLang="en-US" sz="1400" u="sng">
               <a:latin typeface="Courier New" panose="02070309020205020404" charset="0"/>
               <a:cs typeface="Courier New" panose="02070309020205020404" charset="0"/>
             </a:endParaRPr>
@@ -6725,14 +7298,14 @@
               <a:t>pid</a:t>
             </a:r>
             <a:r>
-              <a:rPr lang="" altLang="en-US" sz="1400" u="sng">
+              <a:rPr lang="en-US" altLang="en-US" sz="1400" u="sng">
                 <a:latin typeface="Courier New" panose="02070309020205020404" charset="0"/>
                 <a:cs typeface="Courier New" panose="02070309020205020404" charset="0"/>
               </a:rPr>
               <a:t>_t tcgetsid(int fd); //</a:t>
             </a:r>
             <a:r>
-              <a:rPr lang="zh-CN" altLang="" sz="1400" u="sng">
+              <a:rPr lang="zh-CN" altLang="en-US" sz="1400" u="sng">
                 <a:latin typeface="Courier New" panose="02070309020205020404" charset="0"/>
                 <a:cs typeface="Courier New" panose="02070309020205020404" charset="0"/>
               </a:rPr>
@@ -6955,46 +7528,591 @@
               <a:t>&amp;</a:t>
             </a:r>
             <a:r>
+              <a:rPr lang="en-US" altLang="en-US" sz="1400" u="sng">
+                <a:latin typeface="Courier New" panose="02070309020205020404" charset="0"/>
+                <a:cs typeface="Courier New" panose="02070309020205020404" charset="0"/>
+              </a:rPr>
+              <a:t> </a:t>
+            </a:r>
+            <a:r>
+              <a:rPr lang="zh-CN" altLang="en-US" sz="1400" u="sng">
+                <a:latin typeface="Courier New" panose="02070309020205020404" charset="0"/>
+                <a:cs typeface="Courier New" panose="02070309020205020404" charset="0"/>
+              </a:rPr>
+              <a:t>命令，</a:t>
+            </a:r>
+            <a:r>
+              <a:rPr lang="en-US" altLang="zh-CN" sz="1400" u="sng">
+                <a:latin typeface="Courier New" panose="02070309020205020404" charset="0"/>
+                <a:cs typeface="Courier New" panose="02070309020205020404" charset="0"/>
+              </a:rPr>
+              <a:t> </a:t>
+            </a:r>
+            <a:r>
+              <a:rPr lang="zh-CN" altLang="en-US" sz="1400" u="sng">
+                <a:latin typeface="Courier New" panose="02070309020205020404" charset="0"/>
+                <a:cs typeface="Courier New" panose="02070309020205020404" charset="0"/>
+              </a:rPr>
+              <a:t>将一个进程放在后台执行：</a:t>
+            </a:r>
+            <a:r>
+              <a:rPr lang="en-US" altLang="zh-CN" sz="1400" u="sng">
+                <a:latin typeface="Courier New" panose="02070309020205020404" charset="0"/>
+                <a:cs typeface="Courier New" panose="02070309020205020404" charset="0"/>
+              </a:rPr>
+              <a:t>  </a:t>
+            </a:r>
+            <a:r>
+              <a:rPr lang="en-US" altLang="en-US" sz="1400" u="sng">
+                <a:latin typeface="Courier New" panose="02070309020205020404" charset="0"/>
+                <a:cs typeface="Courier New" panose="02070309020205020404" charset="0"/>
+              </a:rPr>
+              <a:t>./1 &amp;</a:t>
+            </a:r>
+            <a:endParaRPr lang="zh-CN" altLang="en-US" sz="1400" u="sng">
+              <a:latin typeface="Courier New" panose="02070309020205020404" charset="0"/>
+              <a:cs typeface="Courier New" panose="02070309020205020404" charset="0"/>
+            </a:endParaRPr>
+          </a:p>
+          <a:p>
+            <a:endParaRPr lang="zh-CN" altLang="en-US" sz="1400" u="sng">
+              <a:latin typeface="Courier New" panose="02070309020205020404" charset="0"/>
+              <a:cs typeface="Courier New" panose="02070309020205020404" charset="0"/>
+            </a:endParaRPr>
+          </a:p>
+          <a:p>
+            <a:r>
+              <a:rPr lang="en-US" altLang="en-US" sz="1400" u="sng">
+                <a:latin typeface="Courier New" panose="02070309020205020404" charset="0"/>
+                <a:cs typeface="Courier New" panose="02070309020205020404" charset="0"/>
+              </a:rPr>
+              <a:t>nohup </a:t>
+            </a:r>
+            <a:r>
+              <a:rPr lang="zh-CN" altLang="en-US" sz="1400" u="sng">
+                <a:latin typeface="Courier New" panose="02070309020205020404" charset="0"/>
+                <a:cs typeface="Courier New" panose="02070309020205020404" charset="0"/>
+              </a:rPr>
+              <a:t>即使关闭了该终端，还可以运行</a:t>
+            </a:r>
+            <a:r>
+              <a:rPr lang="en-US" altLang="zh-CN" sz="1400" u="sng">
+                <a:latin typeface="Courier New" panose="02070309020205020404" charset="0"/>
+                <a:cs typeface="Courier New" panose="02070309020205020404" charset="0"/>
+              </a:rPr>
+              <a:t>: nohup ./1 &amp;</a:t>
+            </a:r>
+            <a:endParaRPr lang="en-US" altLang="zh-CN" sz="1400" u="sng">
+              <a:latin typeface="Courier New" panose="02070309020205020404" charset="0"/>
+              <a:cs typeface="Courier New" panose="02070309020205020404" charset="0"/>
+            </a:endParaRPr>
+          </a:p>
+          <a:p>
+            <a:endParaRPr lang="en-US" altLang="zh-CN" sz="1400" u="sng">
+              <a:latin typeface="Courier New" panose="02070309020205020404" charset="0"/>
+              <a:cs typeface="Courier New" panose="02070309020205020404" charset="0"/>
+            </a:endParaRPr>
+          </a:p>
+          <a:p>
+            <a:r>
+              <a:rPr lang="en-US" altLang="en-US" sz="1400" u="sng">
+                <a:latin typeface="Courier New" panose="02070309020205020404" charset="0"/>
+                <a:cs typeface="Courier New" panose="02070309020205020404" charset="0"/>
+              </a:rPr>
+              <a:t>jobs </a:t>
+            </a:r>
+            <a:r>
+              <a:rPr lang="zh-CN" altLang="en-US" sz="1400" u="sng">
+                <a:latin typeface="Courier New" panose="02070309020205020404" charset="0"/>
+                <a:cs typeface="Courier New" panose="02070309020205020404" charset="0"/>
+              </a:rPr>
+              <a:t>查看后台运行的进程</a:t>
+            </a:r>
+            <a:endParaRPr lang="zh-CN" altLang="en-US" sz="1400" u="sng">
+              <a:latin typeface="Courier New" panose="02070309020205020404" charset="0"/>
+              <a:cs typeface="Courier New" panose="02070309020205020404" charset="0"/>
+            </a:endParaRPr>
+          </a:p>
+          <a:p>
+            <a:endParaRPr lang="zh-CN" altLang="en-US" sz="1400" u="sng">
+              <a:latin typeface="Courier New" panose="02070309020205020404" charset="0"/>
+              <a:cs typeface="Courier New" panose="02070309020205020404" charset="0"/>
+            </a:endParaRPr>
+          </a:p>
+          <a:p>
+            <a:r>
+              <a:rPr lang="en-US" altLang="zh-CN" sz="1400" u="sng">
+                <a:latin typeface="Courier New" panose="02070309020205020404" charset="0"/>
+                <a:cs typeface="Courier New" panose="02070309020205020404" charset="0"/>
+              </a:rPr>
+              <a:t>fg</a:t>
+            </a:r>
+            <a:r>
+              <a:rPr lang="en-US" altLang="en-US" sz="1400" u="sng">
+                <a:latin typeface="Courier New" panose="02070309020205020404" charset="0"/>
+                <a:cs typeface="Courier New" panose="02070309020205020404" charset="0"/>
+              </a:rPr>
+              <a:t> %</a:t>
+            </a:r>
+            <a:r>
+              <a:rPr lang="zh-CN" altLang="en-US" sz="1400" u="sng">
+                <a:latin typeface="Courier New" panose="02070309020205020404" charset="0"/>
+                <a:cs typeface="Courier New" panose="02070309020205020404" charset="0"/>
+              </a:rPr>
+              <a:t>编号</a:t>
+            </a:r>
+            <a:r>
+              <a:rPr lang="en-US" altLang="zh-CN" sz="1400" u="sng">
+                <a:latin typeface="Courier New" panose="02070309020205020404" charset="0"/>
+                <a:cs typeface="Courier New" panose="02070309020205020404" charset="0"/>
+              </a:rPr>
+              <a:t>  </a:t>
+            </a:r>
+            <a:r>
+              <a:rPr lang="zh-CN" altLang="en-US" sz="1400" u="sng">
+                <a:latin typeface="Courier New" panose="02070309020205020404" charset="0"/>
+                <a:cs typeface="Courier New" panose="02070309020205020404" charset="0"/>
+              </a:rPr>
+              <a:t>将后台的进程调至前台执行</a:t>
+            </a:r>
+            <a:endParaRPr lang="zh-CN" altLang="en-US" sz="1400" u="sng">
+              <a:latin typeface="Courier New" panose="02070309020205020404" charset="0"/>
+              <a:cs typeface="Courier New" panose="02070309020205020404" charset="0"/>
+            </a:endParaRPr>
+          </a:p>
+          <a:p>
+            <a:endParaRPr lang="zh-CN" altLang="en-US" sz="1400" u="sng">
+              <a:latin typeface="Courier New" panose="02070309020205020404" charset="0"/>
+              <a:cs typeface="Courier New" panose="02070309020205020404" charset="0"/>
+            </a:endParaRPr>
+          </a:p>
+          <a:p>
+            <a:r>
+              <a:rPr lang="en-US" altLang="zh-CN" sz="1400" u="sng">
+                <a:latin typeface="Courier New" panose="02070309020205020404" charset="0"/>
+                <a:cs typeface="Courier New" panose="02070309020205020404" charset="0"/>
+              </a:rPr>
+              <a:t>ctrl + z </a:t>
+            </a:r>
+            <a:r>
+              <a:rPr lang="zh-CN" altLang="en-US" sz="1400" u="sng">
+                <a:latin typeface="Courier New" panose="02070309020205020404" charset="0"/>
+                <a:cs typeface="Courier New" panose="02070309020205020404" charset="0"/>
+              </a:rPr>
+              <a:t>将正在前台执行</a:t>
+            </a:r>
+            <a:r>
+              <a:rPr lang="en-US" altLang="zh-CN" sz="1400" u="sng">
+                <a:latin typeface="Courier New" panose="02070309020205020404" charset="0"/>
+                <a:cs typeface="Courier New" panose="02070309020205020404" charset="0"/>
+              </a:rPr>
+              <a:t>1</a:t>
+            </a:r>
+            <a:r>
+              <a:rPr lang="zh-CN" altLang="en-US" sz="1400" u="sng">
+                <a:latin typeface="Courier New" panose="02070309020205020404" charset="0"/>
+                <a:cs typeface="Courier New" panose="02070309020205020404" charset="0"/>
+              </a:rPr>
+              <a:t>的命令放在后台，并且处于暂停状态</a:t>
+            </a:r>
+            <a:endParaRPr lang="zh-CN" altLang="en-US" sz="1400" u="sng">
+              <a:latin typeface="Courier New" panose="02070309020205020404" charset="0"/>
+              <a:cs typeface="Courier New" panose="02070309020205020404" charset="0"/>
+            </a:endParaRPr>
+          </a:p>
+          <a:p>
+            <a:endParaRPr lang="zh-CN" altLang="en-US" sz="1400" u="sng">
+              <a:latin typeface="Courier New" panose="02070309020205020404" charset="0"/>
+              <a:cs typeface="Courier New" panose="02070309020205020404" charset="0"/>
+            </a:endParaRPr>
+          </a:p>
+          <a:p>
+            <a:r>
+              <a:rPr lang="en-US" altLang="zh-CN" sz="1400" u="sng">
+                <a:latin typeface="Courier New" panose="02070309020205020404" charset="0"/>
+                <a:cs typeface="Courier New" panose="02070309020205020404" charset="0"/>
+              </a:rPr>
+              <a:t>bg </a:t>
+            </a:r>
+            <a:r>
+              <a:rPr lang="zh-CN" altLang="en-US" sz="1400" u="sng">
+                <a:latin typeface="Courier New" panose="02070309020205020404" charset="0"/>
+                <a:cs typeface="Courier New" panose="02070309020205020404" charset="0"/>
+              </a:rPr>
+              <a:t>将一个在后台暂停的命令，变成在后台继续执行</a:t>
+            </a:r>
+            <a:endParaRPr lang="zh-CN" altLang="en-US" sz="1400" u="sng">
+              <a:latin typeface="Courier New" panose="02070309020205020404" charset="0"/>
+              <a:cs typeface="Courier New" panose="02070309020205020404" charset="0"/>
+            </a:endParaRPr>
+          </a:p>
+          <a:p>
+            <a:endParaRPr lang="zh-CN" altLang="en-US" sz="1400" u="sng">
+              <a:latin typeface="Courier New" panose="02070309020205020404" charset="0"/>
+              <a:cs typeface="Courier New" panose="02070309020205020404" charset="0"/>
+            </a:endParaRPr>
+          </a:p>
+          <a:p>
+            <a:endParaRPr lang="en-US" altLang="zh-CN" sz="1400" u="sng">
+              <a:latin typeface="Courier New" panose="02070309020205020404" charset="0"/>
+              <a:cs typeface="Courier New" panose="02070309020205020404" charset="0"/>
+            </a:endParaRPr>
+          </a:p>
+          <a:p>
+            <a:endParaRPr lang="en-US" altLang="zh-CN" sz="1400" u="sng">
+              <a:latin typeface="Courier New" panose="02070309020205020404" charset="0"/>
+              <a:cs typeface="Courier New" panose="02070309020205020404" charset="0"/>
+            </a:endParaRPr>
+          </a:p>
+          <a:p>
+            <a:endParaRPr lang="en-US" altLang="zh-CN" sz="1400" u="sng">
+              <a:latin typeface="Courier New" panose="02070309020205020404" charset="0"/>
+              <a:cs typeface="Courier New" panose="02070309020205020404" charset="0"/>
+            </a:endParaRPr>
+          </a:p>
+        </p:txBody>
+      </p:sp>
+    </p:spTree>
+  </p:cSld>
+  <p:clrMapOvr>
+    <a:masterClrMapping/>
+  </p:clrMapOvr>
+</p:sld>
+</file>
+
+<file path=ppt/slides/slide9.xml><?xml version="1.0" encoding="utf-8"?>
+<p:sld xmlns:a="http://schemas.openxmlformats.org/drawingml/2006/main" xmlns:r="http://schemas.openxmlformats.org/officeDocument/2006/relationships" xmlns:p="http://schemas.openxmlformats.org/presentationml/2006/main">
+  <p:cSld>
+    <p:spTree>
+      <p:nvGrpSpPr>
+        <p:cNvPr id="1" name=""/>
+        <p:cNvGrpSpPr/>
+        <p:nvPr/>
+      </p:nvGrpSpPr>
+      <p:grpSpPr/>
+      <p:sp>
+        <p:nvSpPr>
+          <p:cNvPr id="2" name="Text Box 1"/>
+          <p:cNvSpPr txBox="true"/>
+          <p:nvPr/>
+        </p:nvSpPr>
+        <p:spPr>
+          <a:xfrm>
+            <a:off x="18415" y="34290"/>
+            <a:ext cx="4234815" cy="368300"/>
+          </a:xfrm>
+          <a:prstGeom prst="rect">
+            <a:avLst/>
+          </a:prstGeom>
+          <a:noFill/>
+        </p:spPr>
+        <p:txBody>
+          <a:bodyPr wrap="square" rtlCol="0">
+            <a:spAutoFit/>
+          </a:bodyPr>
+          <a:p>
+            <a:r>
+              <a:rPr lang="zh-CN" altLang="en-US" b="1">
+                <a:effectLst>
+                  <a:outerShdw blurRad="38100" dist="38100" dir="2700000" algn="tl">
+                    <a:srgbClr val="000000">
+                      <a:alpha val="43137"/>
+                    </a:srgbClr>
+                  </a:outerShdw>
+                </a:effectLst>
+              </a:rPr>
+              <a:t>作业控制</a:t>
+            </a:r>
+            <a:r>
+              <a:rPr lang="en-US" altLang="zh-CN" b="1">
+                <a:effectLst>
+                  <a:outerShdw blurRad="38100" dist="38100" dir="2700000" algn="tl">
+                    <a:srgbClr val="000000">
+                      <a:alpha val="43137"/>
+                    </a:srgbClr>
+                  </a:outerShdw>
+                </a:effectLst>
+              </a:rPr>
+              <a:t>——</a:t>
+            </a:r>
+            <a:r>
+              <a:rPr lang="zh-CN" altLang="en-US" b="1">
+                <a:effectLst>
+                  <a:outerShdw blurRad="38100" dist="38100" dir="2700000" algn="tl">
+                    <a:srgbClr val="000000">
+                      <a:alpha val="43137"/>
+                    </a:srgbClr>
+                  </a:outerShdw>
+                </a:effectLst>
+              </a:rPr>
+              <a:t>终端输入</a:t>
+            </a:r>
+            <a:endParaRPr lang="zh-CN" altLang="en-US" b="1">
+              <a:effectLst>
+                <a:outerShdw blurRad="38100" dist="38100" dir="2700000" algn="tl">
+                  <a:srgbClr val="000000">
+                    <a:alpha val="43137"/>
+                  </a:srgbClr>
+                </a:outerShdw>
+              </a:effectLst>
+            </a:endParaRPr>
+          </a:p>
+        </p:txBody>
+      </p:sp>
+      <p:sp>
+        <p:nvSpPr>
+          <p:cNvPr id="3" name="Text Box 2"/>
+          <p:cNvSpPr txBox="true"/>
+          <p:nvPr/>
+        </p:nvSpPr>
+        <p:spPr>
+          <a:xfrm>
+            <a:off x="156845" y="922020"/>
+            <a:ext cx="10687685" cy="3107690"/>
+          </a:xfrm>
+          <a:prstGeom prst="rect">
+            <a:avLst/>
+          </a:prstGeom>
+          <a:noFill/>
+        </p:spPr>
+        <p:txBody>
+          <a:bodyPr wrap="square" rtlCol="0">
+            <a:spAutoFit/>
+          </a:bodyPr>
+          <a:p>
+            <a:r>
+              <a:rPr lang="zh-CN" altLang="en-US" sz="1400" u="sng">
+                <a:latin typeface="Courier New" panose="02070309020205020404" charset="0"/>
+                <a:cs typeface="Courier New" panose="02070309020205020404" charset="0"/>
+              </a:rPr>
+              <a:t>我们可以有一个前台作业，若干个后台作业，当我们在终端进行输入输出的时候，谁对这一行为具有控制权？</a:t>
+            </a:r>
+            <a:endParaRPr lang="zh-CN" altLang="en-US" sz="1400" u="sng">
+              <a:latin typeface="Courier New" panose="02070309020205020404" charset="0"/>
+              <a:cs typeface="Courier New" panose="02070309020205020404" charset="0"/>
+            </a:endParaRPr>
+          </a:p>
+          <a:p>
+            <a:endParaRPr lang="zh-CN" altLang="en-US" sz="1400" u="sng">
+              <a:latin typeface="Courier New" panose="02070309020205020404" charset="0"/>
+              <a:cs typeface="Courier New" panose="02070309020205020404" charset="0"/>
+            </a:endParaRPr>
+          </a:p>
+          <a:p>
+            <a:r>
+              <a:rPr lang="en-US" altLang="zh-CN" sz="1400" u="sng">
+                <a:latin typeface="Courier New" panose="02070309020205020404" charset="0"/>
+                <a:cs typeface="Courier New" panose="02070309020205020404" charset="0"/>
+              </a:rPr>
+              <a:t>	1. </a:t>
+            </a:r>
+            <a:r>
+              <a:rPr lang="zh-CN" altLang="en-US" sz="1400" u="sng">
+                <a:latin typeface="Courier New" panose="02070309020205020404" charset="0"/>
+                <a:cs typeface="Courier New" panose="02070309020205020404" charset="0"/>
+              </a:rPr>
+              <a:t>只前台作业接收输入，如果后台作业试图读终端，终端驱动程序将会向后台发送一个</a:t>
+            </a:r>
+            <a:r>
+              <a:rPr lang="en-US" altLang="zh-CN" sz="1400" u="sng">
+                <a:latin typeface="Courier New" panose="02070309020205020404" charset="0"/>
+                <a:cs typeface="Courier New" panose="02070309020205020404" charset="0"/>
+              </a:rPr>
+              <a:t>SIGTTIN</a:t>
+            </a:r>
+            <a:r>
+              <a:rPr lang="zh-CN" altLang="en-US" sz="1400" u="sng">
+                <a:latin typeface="Courier New" panose="02070309020205020404" charset="0"/>
+                <a:cs typeface="Courier New" panose="02070309020205020404" charset="0"/>
+              </a:rPr>
+              <a:t>信号，该信号会停止该后台作业，此时</a:t>
+            </a:r>
+            <a:r>
+              <a:rPr lang="en-US" altLang="zh-CN" sz="1400" u="sng">
+                <a:latin typeface="Courier New" panose="02070309020205020404" charset="0"/>
+                <a:cs typeface="Courier New" panose="02070309020205020404" charset="0"/>
+              </a:rPr>
+              <a:t>shell</a:t>
+            </a:r>
+            <a:r>
+              <a:rPr lang="zh-CN" altLang="en-US" sz="1400" u="sng">
+                <a:latin typeface="Courier New" panose="02070309020205020404" charset="0"/>
+                <a:cs typeface="Courier New" panose="02070309020205020404" charset="0"/>
+              </a:rPr>
+              <a:t>也会回到前台，向用户发出通知</a:t>
+            </a:r>
+            <a:r>
+              <a:rPr lang="en-US" altLang="zh-CN" sz="1400" u="sng">
+                <a:latin typeface="Courier New" panose="02070309020205020404" charset="0"/>
+                <a:cs typeface="Courier New" panose="02070309020205020404" charset="0"/>
+              </a:rPr>
+              <a:t> </a:t>
+            </a:r>
+            <a:r>
+              <a:rPr lang="zh-CN" altLang="en-US" sz="1400" u="sng">
+                <a:latin typeface="Courier New" panose="02070309020205020404" charset="0"/>
+                <a:cs typeface="Courier New" panose="02070309020205020404" charset="0"/>
+              </a:rPr>
+              <a:t>“请把这个程序拿到前台来吧”，</a:t>
+            </a:r>
+            <a:r>
+              <a:rPr lang="en-US" altLang="zh-CN" sz="1400" u="sng">
+                <a:latin typeface="Courier New" panose="02070309020205020404" charset="0"/>
+                <a:cs typeface="Courier New" panose="02070309020205020404" charset="0"/>
+              </a:rPr>
+              <a:t> </a:t>
+            </a:r>
+            <a:r>
+              <a:rPr lang="zh-CN" altLang="en-US" sz="1400" u="sng">
+                <a:latin typeface="Courier New" panose="02070309020205020404" charset="0"/>
+                <a:cs typeface="Courier New" panose="02070309020205020404" charset="0"/>
+              </a:rPr>
+              <a:t>然后用户使用</a:t>
+            </a:r>
+            <a:r>
+              <a:rPr lang="" altLang="zh-CN" sz="1400" u="sng">
+                <a:latin typeface="Courier New" panose="02070309020205020404" charset="0"/>
+                <a:cs typeface="Courier New" panose="02070309020205020404" charset="0"/>
+              </a:rPr>
+              <a:t>fg</a:t>
+            </a:r>
+            <a:r>
+              <a:rPr lang="zh-CN" altLang="" sz="1400" u="sng">
+                <a:latin typeface="Courier New" panose="02070309020205020404" charset="0"/>
+                <a:cs typeface="Courier New" panose="02070309020205020404" charset="0"/>
+              </a:rPr>
+              <a:t>将该进程转为前台进程组，并将继续信号</a:t>
+            </a:r>
+            <a:r>
+              <a:rPr lang="" altLang="zh-CN" sz="1400" u="sng">
+                <a:latin typeface="Courier New" panose="02070309020205020404" charset="0"/>
+                <a:cs typeface="Courier New" panose="02070309020205020404" charset="0"/>
+              </a:rPr>
+              <a:t>SIGCONT</a:t>
+            </a:r>
+            <a:r>
+              <a:rPr lang="zh-CN" altLang="" sz="1400" u="sng">
+                <a:latin typeface="Courier New" panose="02070309020205020404" charset="0"/>
+                <a:cs typeface="Courier New" panose="02070309020205020404" charset="0"/>
+              </a:rPr>
+              <a:t>发送给该进程组，从而得以继续执行。</a:t>
+            </a:r>
+            <a:endParaRPr lang="zh-CN" altLang="" sz="1400" u="sng">
+              <a:latin typeface="Courier New" panose="02070309020205020404" charset="0"/>
+              <a:cs typeface="Courier New" panose="02070309020205020404" charset="0"/>
+            </a:endParaRPr>
+          </a:p>
+          <a:p>
+            <a:r>
+              <a:rPr lang="en-US" altLang="zh-CN" sz="1400" u="sng">
+                <a:latin typeface="Courier New" panose="02070309020205020404" charset="0"/>
+                <a:cs typeface="Courier New" panose="02070309020205020404" charset="0"/>
+              </a:rPr>
+              <a:t>	2. </a:t>
+            </a:r>
+            <a:r>
+              <a:rPr lang="zh-CN" altLang="en-US" sz="1400" u="sng">
+                <a:latin typeface="Courier New" panose="02070309020205020404" charset="0"/>
+                <a:cs typeface="Courier New" panose="02070309020205020404" charset="0"/>
+              </a:rPr>
+              <a:t>后台作业输出到控制终端，是否禁止是可选的，当我们不禁止的时候，后台进程依旧可以输出到终端来。我们可以采用</a:t>
+            </a:r>
+            <a:endParaRPr lang="zh-CN" altLang="en-US" sz="1400" u="sng">
+              <a:latin typeface="Courier New" panose="02070309020205020404" charset="0"/>
+              <a:cs typeface="Courier New" panose="02070309020205020404" charset="0"/>
+            </a:endParaRPr>
+          </a:p>
+          <a:p>
+            <a:r>
+              <a:rPr lang="en-US" altLang="zh-CN" sz="1400" u="sng">
+                <a:latin typeface="Courier New" panose="02070309020205020404" charset="0"/>
+                <a:cs typeface="Courier New" panose="02070309020205020404" charset="0"/>
+              </a:rPr>
+              <a:t>	</a:t>
+            </a:r>
+            <a:r>
               <a:rPr lang="" altLang="en-US" sz="1400" u="sng">
                 <a:latin typeface="Courier New" panose="02070309020205020404" charset="0"/>
                 <a:cs typeface="Courier New" panose="02070309020205020404" charset="0"/>
               </a:rPr>
+              <a:t>stty tostop </a:t>
+            </a:r>
+            <a:r>
+              <a:rPr lang="zh-CN" altLang="" sz="1400" u="sng">
+                <a:latin typeface="Courier New" panose="02070309020205020404" charset="0"/>
+                <a:cs typeface="Courier New" panose="02070309020205020404" charset="0"/>
+              </a:rPr>
+              <a:t>命令来禁止后台进程输出的终端，</a:t>
+            </a:r>
+            <a:r>
+              <a:rPr lang="en-US" altLang="zh-CN" sz="1400" u="sng">
+                <a:latin typeface="Courier New" panose="02070309020205020404" charset="0"/>
+                <a:cs typeface="Courier New" panose="02070309020205020404" charset="0"/>
+              </a:rPr>
               <a:t> </a:t>
             </a:r>
             <a:r>
+              <a:rPr lang="zh-CN" altLang="en-US" sz="1400" u="sng">
+                <a:latin typeface="Courier New" panose="02070309020205020404" charset="0"/>
+                <a:cs typeface="Courier New" panose="02070309020205020404" charset="0"/>
+              </a:rPr>
+              <a:t>此时，终端驱动程序向该进程发送</a:t>
+            </a:r>
+            <a:r>
+              <a:rPr lang="en-US" altLang="zh-CN" sz="1400" u="sng">
+                <a:latin typeface="Courier New" panose="02070309020205020404" charset="0"/>
+                <a:cs typeface="Courier New" panose="02070309020205020404" charset="0"/>
+              </a:rPr>
+              <a:t>SIGTTOU</a:t>
+            </a:r>
+            <a:r>
+              <a:rPr lang="zh-CN" altLang="en-US" sz="1400" u="sng">
+                <a:latin typeface="Courier New" panose="02070309020205020404" charset="0"/>
+                <a:cs typeface="Courier New" panose="02070309020205020404" charset="0"/>
+              </a:rPr>
+              <a:t>信号，该进程被阻塞，同时</a:t>
+            </a:r>
+            <a:r>
+              <a:rPr lang="en-US" altLang="zh-CN" sz="1400" u="sng">
+                <a:latin typeface="Courier New" panose="02070309020205020404" charset="0"/>
+                <a:cs typeface="Courier New" panose="02070309020205020404" charset="0"/>
+              </a:rPr>
+              <a:t>shell</a:t>
+            </a:r>
+            <a:r>
+              <a:rPr lang="zh-CN" altLang="en-US" sz="1400" u="sng">
+                <a:latin typeface="Courier New" panose="02070309020205020404" charset="0"/>
+                <a:cs typeface="Courier New" panose="02070309020205020404" charset="0"/>
+              </a:rPr>
+              <a:t>发出提醒</a:t>
+            </a:r>
+            <a:r>
+              <a:rPr lang="" altLang="zh-CN" sz="1400" u="sng">
+                <a:latin typeface="Courier New" panose="02070309020205020404" charset="0"/>
+                <a:cs typeface="Courier New" panose="02070309020205020404" charset="0"/>
+              </a:rPr>
+              <a:t>”</a:t>
+            </a:r>
+            <a:r>
               <a:rPr lang="zh-CN" altLang="" sz="1400" u="sng">
                 <a:latin typeface="Courier New" panose="02070309020205020404" charset="0"/>
                 <a:cs typeface="Courier New" panose="02070309020205020404" charset="0"/>
               </a:rPr>
-              <a:t>命令，</a:t>
-            </a:r>
-            <a:r>
-              <a:rPr lang="en-US" altLang="zh-CN" sz="1400" u="sng">
-                <a:latin typeface="Courier New" panose="02070309020205020404" charset="0"/>
-                <a:cs typeface="Courier New" panose="02070309020205020404" charset="0"/>
-              </a:rPr>
-              <a:t> </a:t>
-            </a:r>
-            <a:r>
-              <a:rPr lang="zh-CN" altLang="en-US" sz="1400" u="sng">
-                <a:latin typeface="Courier New" panose="02070309020205020404" charset="0"/>
-                <a:cs typeface="Courier New" panose="02070309020205020404" charset="0"/>
-              </a:rPr>
-              <a:t>将一个进程放在后台执行：</a:t>
-            </a:r>
-            <a:r>
-              <a:rPr lang="en-US" altLang="zh-CN" sz="1400" u="sng">
-                <a:latin typeface="Courier New" panose="02070309020205020404" charset="0"/>
-                <a:cs typeface="Courier New" panose="02070309020205020404" charset="0"/>
-              </a:rPr>
-              <a:t>  </a:t>
-            </a:r>
-            <a:r>
-              <a:rPr lang="" altLang="en-US" sz="1400" u="sng">
-                <a:latin typeface="Courier New" panose="02070309020205020404" charset="0"/>
-                <a:cs typeface="Courier New" panose="02070309020205020404" charset="0"/>
-              </a:rPr>
-              <a:t>./1 &amp;</a:t>
+              <a:t>请把这个进程拿到前台来吧</a:t>
+            </a:r>
+            <a:r>
+              <a:rPr lang="" altLang="zh-CN" sz="1400" u="sng">
+                <a:latin typeface="Courier New" panose="02070309020205020404" charset="0"/>
+                <a:cs typeface="Courier New" panose="02070309020205020404" charset="0"/>
+              </a:rPr>
+              <a:t>”</a:t>
+            </a:r>
+            <a:r>
+              <a:rPr lang="zh-CN" altLang="" sz="1400" u="sng">
+                <a:latin typeface="Courier New" panose="02070309020205020404" charset="0"/>
+                <a:cs typeface="Courier New" panose="02070309020205020404" charset="0"/>
+              </a:rPr>
+              <a:t>。</a:t>
             </a:r>
             <a:endParaRPr lang="zh-CN" altLang="en-US" sz="1400" u="sng">
               <a:latin typeface="Courier New" panose="02070309020205020404" charset="0"/>
@@ -7008,107 +8126,6 @@
             </a:endParaRPr>
           </a:p>
           <a:p>
-            <a:r>
-              <a:rPr lang="" altLang="en-US" sz="1400" u="sng">
-                <a:latin typeface="Courier New" panose="02070309020205020404" charset="0"/>
-                <a:cs typeface="Courier New" panose="02070309020205020404" charset="0"/>
-              </a:rPr>
-              <a:t>nohup </a:t>
-            </a:r>
-            <a:r>
-              <a:rPr lang="zh-CN" altLang="" sz="1400" u="sng">
-                <a:latin typeface="Courier New" panose="02070309020205020404" charset="0"/>
-                <a:cs typeface="Courier New" panose="02070309020205020404" charset="0"/>
-              </a:rPr>
-              <a:t>即使关闭了该终端，还可以运行</a:t>
-            </a:r>
-            <a:r>
-              <a:rPr lang="" altLang="zh-CN" sz="1400" u="sng">
-                <a:latin typeface="Courier New" panose="02070309020205020404" charset="0"/>
-                <a:cs typeface="Courier New" panose="02070309020205020404" charset="0"/>
-              </a:rPr>
-              <a:t>: nohup ./1 &amp;</a:t>
-            </a:r>
-            <a:endParaRPr lang="" altLang="zh-CN" sz="1400" u="sng">
-              <a:latin typeface="Courier New" panose="02070309020205020404" charset="0"/>
-              <a:cs typeface="Courier New" panose="02070309020205020404" charset="0"/>
-            </a:endParaRPr>
-          </a:p>
-          <a:p>
-            <a:endParaRPr lang="" altLang="zh-CN" sz="1400" u="sng">
-              <a:latin typeface="Courier New" panose="02070309020205020404" charset="0"/>
-              <a:cs typeface="Courier New" panose="02070309020205020404" charset="0"/>
-            </a:endParaRPr>
-          </a:p>
-          <a:p>
-            <a:r>
-              <a:rPr lang="en-US" altLang="" sz="1400" u="sng">
-                <a:latin typeface="Courier New" panose="02070309020205020404" charset="0"/>
-                <a:cs typeface="Courier New" panose="02070309020205020404" charset="0"/>
-              </a:rPr>
-              <a:t>jobs</a:t>
-            </a:r>
-            <a:r>
-              <a:rPr lang="" altLang="en-US" sz="1400" u="sng">
-                <a:latin typeface="Courier New" panose="02070309020205020404" charset="0"/>
-                <a:cs typeface="Courier New" panose="02070309020205020404" charset="0"/>
-              </a:rPr>
-              <a:t> </a:t>
-            </a:r>
-            <a:r>
-              <a:rPr lang="zh-CN" altLang="" sz="1400" u="sng">
-                <a:latin typeface="Courier New" panose="02070309020205020404" charset="0"/>
-                <a:cs typeface="Courier New" panose="02070309020205020404" charset="0"/>
-              </a:rPr>
-              <a:t>查看后台运行的进程</a:t>
-            </a:r>
-            <a:endParaRPr lang="zh-CN" altLang="" sz="1400" u="sng">
-              <a:latin typeface="Courier New" panose="02070309020205020404" charset="0"/>
-              <a:cs typeface="Courier New" panose="02070309020205020404" charset="0"/>
-            </a:endParaRPr>
-          </a:p>
-          <a:p>
-            <a:endParaRPr lang="zh-CN" altLang="" sz="1400" u="sng">
-              <a:latin typeface="Courier New" panose="02070309020205020404" charset="0"/>
-              <a:cs typeface="Courier New" panose="02070309020205020404" charset="0"/>
-            </a:endParaRPr>
-          </a:p>
-          <a:p>
-            <a:r>
-              <a:rPr lang="en-US" altLang="zh-CN" sz="1400" u="sng">
-                <a:latin typeface="Courier New" panose="02070309020205020404" charset="0"/>
-                <a:cs typeface="Courier New" panose="02070309020205020404" charset="0"/>
-              </a:rPr>
-              <a:t>fg</a:t>
-            </a:r>
-            <a:r>
-              <a:rPr lang="" altLang="en-US" sz="1400" u="sng">
-                <a:latin typeface="Courier New" panose="02070309020205020404" charset="0"/>
-                <a:cs typeface="Courier New" panose="02070309020205020404" charset="0"/>
-              </a:rPr>
-              <a:t> %</a:t>
-            </a:r>
-            <a:r>
-              <a:rPr lang="zh-CN" altLang="" sz="1400" u="sng">
-                <a:latin typeface="Courier New" panose="02070309020205020404" charset="0"/>
-                <a:cs typeface="Courier New" panose="02070309020205020404" charset="0"/>
-              </a:rPr>
-              <a:t>编号</a:t>
-            </a:r>
-            <a:r>
-              <a:rPr lang="en-US" altLang="zh-CN" sz="1400" u="sng">
-                <a:latin typeface="Courier New" panose="02070309020205020404" charset="0"/>
-                <a:cs typeface="Courier New" panose="02070309020205020404" charset="0"/>
-              </a:rPr>
-              <a:t>  </a:t>
-            </a:r>
-            <a:r>
-              <a:rPr lang="zh-CN" altLang="en-US" sz="1400" u="sng">
-                <a:latin typeface="Courier New" panose="02070309020205020404" charset="0"/>
-                <a:cs typeface="Courier New" panose="02070309020205020404" charset="0"/>
-              </a:rPr>
-              <a:t>将后台的进程调至前台执行</a:t>
-            </a:r>
             <a:endParaRPr lang="zh-CN" altLang="en-US" sz="1400" u="sng">
               <a:latin typeface="Courier New" panose="02070309020205020404" charset="0"/>
               <a:cs typeface="Courier New" panose="02070309020205020404" charset="0"/>
@@ -7121,79 +8138,6 @@
             </a:endParaRPr>
           </a:p>
           <a:p>
-            <a:r>
-              <a:rPr lang="" altLang="zh-CN" sz="1400" u="sng">
-                <a:latin typeface="Courier New" panose="02070309020205020404" charset="0"/>
-                <a:cs typeface="Courier New" panose="02070309020205020404" charset="0"/>
-              </a:rPr>
-              <a:t>ctrl + z </a:t>
-            </a:r>
-            <a:r>
-              <a:rPr lang="zh-CN" altLang="" sz="1400" u="sng">
-                <a:latin typeface="Courier New" panose="02070309020205020404" charset="0"/>
-                <a:cs typeface="Courier New" panose="02070309020205020404" charset="0"/>
-              </a:rPr>
-              <a:t>将正在前台执行</a:t>
-            </a:r>
-            <a:r>
-              <a:rPr lang="en-US" altLang="zh-CN" sz="1400" u="sng">
-                <a:latin typeface="Courier New" panose="02070309020205020404" charset="0"/>
-                <a:cs typeface="Courier New" panose="02070309020205020404" charset="0"/>
-              </a:rPr>
-              <a:t>1</a:t>
-            </a:r>
-            <a:r>
-              <a:rPr lang="zh-CN" altLang="en-US" sz="1400" u="sng">
-                <a:latin typeface="Courier New" panose="02070309020205020404" charset="0"/>
-                <a:cs typeface="Courier New" panose="02070309020205020404" charset="0"/>
-              </a:rPr>
-              <a:t>的命令放在后台，并且处于暂停状态</a:t>
-            </a:r>
-            <a:endParaRPr lang="zh-CN" altLang="en-US" sz="1400" u="sng">
-              <a:latin typeface="Courier New" panose="02070309020205020404" charset="0"/>
-              <a:cs typeface="Courier New" panose="02070309020205020404" charset="0"/>
-            </a:endParaRPr>
-          </a:p>
-          <a:p>
-            <a:endParaRPr lang="zh-CN" altLang="en-US" sz="1400" u="sng">
-              <a:latin typeface="Courier New" panose="02070309020205020404" charset="0"/>
-              <a:cs typeface="Courier New" panose="02070309020205020404" charset="0"/>
-            </a:endParaRPr>
-          </a:p>
-          <a:p>
-            <a:r>
-              <a:rPr lang="" altLang="zh-CN" sz="1400" u="sng">
-                <a:latin typeface="Courier New" panose="02070309020205020404" charset="0"/>
-                <a:cs typeface="Courier New" panose="02070309020205020404" charset="0"/>
-              </a:rPr>
-              <a:t>bg </a:t>
-            </a:r>
-            <a:r>
-              <a:rPr lang="zh-CN" altLang="" sz="1400" u="sng">
-                <a:latin typeface="Courier New" panose="02070309020205020404" charset="0"/>
-                <a:cs typeface="Courier New" panose="02070309020205020404" charset="0"/>
-              </a:rPr>
-              <a:t>将一个在后台暂停的命令，变成在后台</a:t>
-            </a:r>
-            <a:r>
-              <a:rPr lang="zh-CN" altLang="en-US" sz="1400" u="sng">
-                <a:latin typeface="Courier New" panose="02070309020205020404" charset="0"/>
-                <a:cs typeface="Courier New" panose="02070309020205020404" charset="0"/>
-              </a:rPr>
-              <a:t>继续执行</a:t>
-            </a:r>
-            <a:endParaRPr lang="zh-CN" altLang="" sz="1400" u="sng">
-              <a:latin typeface="Courier New" panose="02070309020205020404" charset="0"/>
-              <a:cs typeface="Courier New" panose="02070309020205020404" charset="0"/>
-            </a:endParaRPr>
-          </a:p>
-          <a:p>
-            <a:endParaRPr lang="zh-CN" altLang="" sz="1400" u="sng">
-              <a:latin typeface="Courier New" panose="02070309020205020404" charset="0"/>
-              <a:cs typeface="Courier New" panose="02070309020205020404" charset="0"/>
-            </a:endParaRPr>
-          </a:p>
-          <a:p>
             <a:endParaRPr lang="en-US" altLang="zh-CN" sz="1400" u="sng">
               <a:latin typeface="Courier New" panose="02070309020205020404" charset="0"/>
               <a:cs typeface="Courier New" panose="02070309020205020404" charset="0"/>
@@ -7213,6 +8157,30 @@
           </a:p>
         </p:txBody>
       </p:sp>
+      <p:pic>
+        <p:nvPicPr>
+          <p:cNvPr id="4" name="Picture 3"/>
+          <p:cNvPicPr>
+            <a:picLocks noChangeAspect="true"/>
+          </p:cNvPicPr>
+          <p:nvPr/>
+        </p:nvPicPr>
+        <p:blipFill>
+          <a:blip r:embed="rId1"/>
+          <a:stretch>
+            <a:fillRect/>
+          </a:stretch>
+        </p:blipFill>
+        <p:spPr>
+          <a:xfrm>
+            <a:off x="419735" y="4203065"/>
+            <a:ext cx="4572000" cy="2057400"/>
+          </a:xfrm>
+          <a:prstGeom prst="rect">
+            <a:avLst/>
+          </a:prstGeom>
+        </p:spPr>
+      </p:pic>
     </p:spTree>
   </p:cSld>
   <p:clrMapOvr>
